--- a/AI-DataQuality Analyst/Module6-Pre-process Data as per Specifications/6.1-Pre-processing Data Session1(12th-op)/Pre-processing Data Session1.pptx
+++ b/AI-DataQuality Analyst/Module6-Pre-process Data as per Specifications/6.1-Pre-processing Data Session1(12th-op)/Pre-processing Data Session1.pptx
@@ -5,20 +5,24 @@
     <p:sldMasterId id="2147483648" r:id="rId1"/>
   </p:sldMasterIdLst>
   <p:notesMasterIdLst>
-    <p:notesMasterId r:id="rId13"/>
+    <p:notesMasterId r:id="rId17"/>
   </p:notesMasterIdLst>
   <p:sldIdLst>
     <p:sldId id="257" r:id="rId2"/>
     <p:sldId id="256" r:id="rId3"/>
     <p:sldId id="259" r:id="rId4"/>
-    <p:sldId id="260" r:id="rId5"/>
-    <p:sldId id="267" r:id="rId6"/>
-    <p:sldId id="266" r:id="rId7"/>
-    <p:sldId id="262" r:id="rId8"/>
-    <p:sldId id="263" r:id="rId9"/>
-    <p:sldId id="264" r:id="rId10"/>
-    <p:sldId id="265" r:id="rId11"/>
-    <p:sldId id="261" r:id="rId12"/>
+    <p:sldId id="266" r:id="rId5"/>
+    <p:sldId id="263" r:id="rId6"/>
+    <p:sldId id="262" r:id="rId7"/>
+    <p:sldId id="264" r:id="rId8"/>
+    <p:sldId id="265" r:id="rId9"/>
+    <p:sldId id="267" r:id="rId10"/>
+    <p:sldId id="268" r:id="rId11"/>
+    <p:sldId id="269" r:id="rId12"/>
+    <p:sldId id="270" r:id="rId13"/>
+    <p:sldId id="271" r:id="rId14"/>
+    <p:sldId id="272" r:id="rId15"/>
+    <p:sldId id="261" r:id="rId16"/>
   </p:sldIdLst>
   <p:sldSz cx="12192000" cy="6858000"/>
   <p:notesSz cx="6858000" cy="9144000"/>
@@ -125,6 +129,398 @@
 </p:presentation>
 </file>
 
+<file path=ppt/changesInfos/changesInfo1.xml><?xml version="1.0" encoding="utf-8"?>
+<pc:chgInfo xmlns:a="http://schemas.openxmlformats.org/drawingml/2006/main" xmlns:r="http://schemas.openxmlformats.org/officeDocument/2006/relationships" xmlns:ac="http://schemas.microsoft.com/office/drawing/2013/main/command" xmlns:pc="http://schemas.microsoft.com/office/powerpoint/2013/main/command">
+  <pc:docChgLst>
+    <pc:chgData name="Krishna Kant Dubey" userId="cd28fa1e1902c48d" providerId="LiveId" clId="{576D7E06-507C-4144-8870-D66F0C8A9553}"/>
+    <pc:docChg chg="undo custSel addSld delSld modSld">
+      <pc:chgData name="Krishna Kant Dubey" userId="cd28fa1e1902c48d" providerId="LiveId" clId="{576D7E06-507C-4144-8870-D66F0C8A9553}" dt="2025-08-11T13:03:56.088" v="438" actId="207"/>
+      <pc:docMkLst>
+        <pc:docMk/>
+      </pc:docMkLst>
+      <pc:sldChg chg="modSp mod">
+        <pc:chgData name="Krishna Kant Dubey" userId="cd28fa1e1902c48d" providerId="LiveId" clId="{576D7E06-507C-4144-8870-D66F0C8A9553}" dt="2025-08-11T12:32:17.064" v="4" actId="207"/>
+        <pc:sldMkLst>
+          <pc:docMk/>
+          <pc:sldMk cId="1080327146" sldId="256"/>
+        </pc:sldMkLst>
+        <pc:spChg chg="mod">
+          <ac:chgData name="Krishna Kant Dubey" userId="cd28fa1e1902c48d" providerId="LiveId" clId="{576D7E06-507C-4144-8870-D66F0C8A9553}" dt="2025-08-11T12:32:17.064" v="4" actId="207"/>
+          <ac:spMkLst>
+            <pc:docMk/>
+            <pc:sldMk cId="1080327146" sldId="256"/>
+            <ac:spMk id="12" creationId="{941B6D05-14FE-733C-BADE-E07A8CDD1589}"/>
+          </ac:spMkLst>
+        </pc:spChg>
+      </pc:sldChg>
+      <pc:sldChg chg="addSp modSp">
+        <pc:chgData name="Krishna Kant Dubey" userId="cd28fa1e1902c48d" providerId="LiveId" clId="{576D7E06-507C-4144-8870-D66F0C8A9553}" dt="2025-08-11T08:26:40.776" v="0"/>
+        <pc:sldMkLst>
+          <pc:docMk/>
+          <pc:sldMk cId="2381247086" sldId="257"/>
+        </pc:sldMkLst>
+        <pc:picChg chg="add mod">
+          <ac:chgData name="Krishna Kant Dubey" userId="cd28fa1e1902c48d" providerId="LiveId" clId="{576D7E06-507C-4144-8870-D66F0C8A9553}" dt="2025-08-11T08:26:40.776" v="0"/>
+          <ac:picMkLst>
+            <pc:docMk/>
+            <pc:sldMk cId="2381247086" sldId="257"/>
+            <ac:picMk id="3" creationId="{49D86A38-3EE8-3EE8-6AF2-C0DB66DB3443}"/>
+          </ac:picMkLst>
+        </pc:picChg>
+      </pc:sldChg>
+      <pc:sldChg chg="addSp delSp modSp mod">
+        <pc:chgData name="Krishna Kant Dubey" userId="cd28fa1e1902c48d" providerId="LiveId" clId="{576D7E06-507C-4144-8870-D66F0C8A9553}" dt="2025-08-11T12:43:07.991" v="145" actId="20577"/>
+        <pc:sldMkLst>
+          <pc:docMk/>
+          <pc:sldMk cId="2701513036" sldId="259"/>
+        </pc:sldMkLst>
+        <pc:spChg chg="mod">
+          <ac:chgData name="Krishna Kant Dubey" userId="cd28fa1e1902c48d" providerId="LiveId" clId="{576D7E06-507C-4144-8870-D66F0C8A9553}" dt="2025-08-11T12:38:35.691" v="21" actId="14100"/>
+          <ac:spMkLst>
+            <pc:docMk/>
+            <pc:sldMk cId="2701513036" sldId="259"/>
+            <ac:spMk id="12" creationId="{1E8DBD68-FA64-03EC-2C70-F3BAB6EC4317}"/>
+          </ac:spMkLst>
+        </pc:spChg>
+        <pc:spChg chg="del mod">
+          <ac:chgData name="Krishna Kant Dubey" userId="cd28fa1e1902c48d" providerId="LiveId" clId="{576D7E06-507C-4144-8870-D66F0C8A9553}" dt="2025-08-11T12:38:49.467" v="23" actId="3680"/>
+          <ac:spMkLst>
+            <pc:docMk/>
+            <pc:sldMk cId="2701513036" sldId="259"/>
+            <ac:spMk id="13" creationId="{459108AF-66D9-CD3C-DDCE-0CFFD70B496D}"/>
+          </ac:spMkLst>
+        </pc:spChg>
+        <pc:graphicFrameChg chg="add mod ord modGraphic">
+          <ac:chgData name="Krishna Kant Dubey" userId="cd28fa1e1902c48d" providerId="LiveId" clId="{576D7E06-507C-4144-8870-D66F0C8A9553}" dt="2025-08-11T12:43:07.991" v="145" actId="20577"/>
+          <ac:graphicFrameMkLst>
+            <pc:docMk/>
+            <pc:sldMk cId="2701513036" sldId="259"/>
+            <ac:graphicFrameMk id="2" creationId="{483F83E0-D8CD-829D-337A-D854E098485C}"/>
+          </ac:graphicFrameMkLst>
+        </pc:graphicFrameChg>
+      </pc:sldChg>
+      <pc:sldChg chg="del">
+        <pc:chgData name="Krishna Kant Dubey" userId="cd28fa1e1902c48d" providerId="LiveId" clId="{576D7E06-507C-4144-8870-D66F0C8A9553}" dt="2025-08-11T12:33:45.611" v="14" actId="2696"/>
+        <pc:sldMkLst>
+          <pc:docMk/>
+          <pc:sldMk cId="131540703" sldId="260"/>
+        </pc:sldMkLst>
+      </pc:sldChg>
+      <pc:sldChg chg="del">
+        <pc:chgData name="Krishna Kant Dubey" userId="cd28fa1e1902c48d" providerId="LiveId" clId="{576D7E06-507C-4144-8870-D66F0C8A9553}" dt="2025-08-11T12:33:41.715" v="13" actId="2696"/>
+        <pc:sldMkLst>
+          <pc:docMk/>
+          <pc:sldMk cId="1248854694" sldId="262"/>
+        </pc:sldMkLst>
+      </pc:sldChg>
+      <pc:sldChg chg="addSp delSp modSp add mod">
+        <pc:chgData name="Krishna Kant Dubey" userId="cd28fa1e1902c48d" providerId="LiveId" clId="{576D7E06-507C-4144-8870-D66F0C8A9553}" dt="2025-08-11T12:45:21.522" v="184" actId="14100"/>
+        <pc:sldMkLst>
+          <pc:docMk/>
+          <pc:sldMk cId="1829654074" sldId="262"/>
+        </pc:sldMkLst>
+        <pc:spChg chg="mod">
+          <ac:chgData name="Krishna Kant Dubey" userId="cd28fa1e1902c48d" providerId="LiveId" clId="{576D7E06-507C-4144-8870-D66F0C8A9553}" dt="2025-08-11T12:44:55.612" v="181" actId="207"/>
+          <ac:spMkLst>
+            <pc:docMk/>
+            <pc:sldMk cId="1829654074" sldId="262"/>
+            <ac:spMk id="12" creationId="{97930EC4-8D28-745A-CBE4-3027704F10DE}"/>
+          </ac:spMkLst>
+        </pc:spChg>
+        <pc:spChg chg="del mod">
+          <ac:chgData name="Krishna Kant Dubey" userId="cd28fa1e1902c48d" providerId="LiveId" clId="{576D7E06-507C-4144-8870-D66F0C8A9553}" dt="2025-08-11T12:45:15.244" v="182" actId="22"/>
+          <ac:spMkLst>
+            <pc:docMk/>
+            <pc:sldMk cId="1829654074" sldId="262"/>
+            <ac:spMk id="13" creationId="{909EE3DD-C2F4-5773-336B-83836ED1A2A5}"/>
+          </ac:spMkLst>
+        </pc:spChg>
+        <pc:picChg chg="add mod ord">
+          <ac:chgData name="Krishna Kant Dubey" userId="cd28fa1e1902c48d" providerId="LiveId" clId="{576D7E06-507C-4144-8870-D66F0C8A9553}" dt="2025-08-11T12:45:21.522" v="184" actId="14100"/>
+          <ac:picMkLst>
+            <pc:docMk/>
+            <pc:sldMk cId="1829654074" sldId="262"/>
+            <ac:picMk id="3" creationId="{2597B924-0859-FA52-B105-8DF9E97F2E6A}"/>
+          </ac:picMkLst>
+        </pc:picChg>
+      </pc:sldChg>
+      <pc:sldChg chg="modSp add mod">
+        <pc:chgData name="Krishna Kant Dubey" userId="cd28fa1e1902c48d" providerId="LiveId" clId="{576D7E06-507C-4144-8870-D66F0C8A9553}" dt="2025-08-11T12:43:19.489" v="162" actId="20577"/>
+        <pc:sldMkLst>
+          <pc:docMk/>
+          <pc:sldMk cId="1119150921" sldId="263"/>
+        </pc:sldMkLst>
+        <pc:graphicFrameChg chg="modGraphic">
+          <ac:chgData name="Krishna Kant Dubey" userId="cd28fa1e1902c48d" providerId="LiveId" clId="{576D7E06-507C-4144-8870-D66F0C8A9553}" dt="2025-08-11T12:43:19.489" v="162" actId="20577"/>
+          <ac:graphicFrameMkLst>
+            <pc:docMk/>
+            <pc:sldMk cId="1119150921" sldId="263"/>
+            <ac:graphicFrameMk id="2" creationId="{A99FDC14-771C-BD3D-59A1-7F9D45243C74}"/>
+          </ac:graphicFrameMkLst>
+        </pc:graphicFrameChg>
+      </pc:sldChg>
+      <pc:sldChg chg="del">
+        <pc:chgData name="Krishna Kant Dubey" userId="cd28fa1e1902c48d" providerId="LiveId" clId="{576D7E06-507C-4144-8870-D66F0C8A9553}" dt="2025-08-11T12:33:41.715" v="13" actId="2696"/>
+        <pc:sldMkLst>
+          <pc:docMk/>
+          <pc:sldMk cId="2329110552" sldId="263"/>
+        </pc:sldMkLst>
+      </pc:sldChg>
+      <pc:sldChg chg="addSp delSp modSp add mod">
+        <pc:chgData name="Krishna Kant Dubey" userId="cd28fa1e1902c48d" providerId="LiveId" clId="{576D7E06-507C-4144-8870-D66F0C8A9553}" dt="2025-08-11T12:45:57.914" v="190" actId="14100"/>
+        <pc:sldMkLst>
+          <pc:docMk/>
+          <pc:sldMk cId="1831806660" sldId="264"/>
+        </pc:sldMkLst>
+        <pc:spChg chg="add del mod">
+          <ac:chgData name="Krishna Kant Dubey" userId="cd28fa1e1902c48d" providerId="LiveId" clId="{576D7E06-507C-4144-8870-D66F0C8A9553}" dt="2025-08-11T12:45:51.602" v="188" actId="22"/>
+          <ac:spMkLst>
+            <pc:docMk/>
+            <pc:sldMk cId="1831806660" sldId="264"/>
+            <ac:spMk id="4" creationId="{BB72A730-5873-B56F-8887-26CDF46B00FE}"/>
+          </ac:spMkLst>
+        </pc:spChg>
+        <pc:spChg chg="mod">
+          <ac:chgData name="Krishna Kant Dubey" userId="cd28fa1e1902c48d" providerId="LiveId" clId="{576D7E06-507C-4144-8870-D66F0C8A9553}" dt="2025-08-11T12:45:33.615" v="186" actId="20577"/>
+          <ac:spMkLst>
+            <pc:docMk/>
+            <pc:sldMk cId="1831806660" sldId="264"/>
+            <ac:spMk id="12" creationId="{A535353D-F7CE-CEC8-71F8-9EA9072F17D2}"/>
+          </ac:spMkLst>
+        </pc:spChg>
+        <pc:picChg chg="del">
+          <ac:chgData name="Krishna Kant Dubey" userId="cd28fa1e1902c48d" providerId="LiveId" clId="{576D7E06-507C-4144-8870-D66F0C8A9553}" dt="2025-08-11T12:45:36.961" v="187" actId="478"/>
+          <ac:picMkLst>
+            <pc:docMk/>
+            <pc:sldMk cId="1831806660" sldId="264"/>
+            <ac:picMk id="3" creationId="{16F7AC7E-07E2-7912-CABD-28D2FCD93404}"/>
+          </ac:picMkLst>
+        </pc:picChg>
+        <pc:picChg chg="add mod ord">
+          <ac:chgData name="Krishna Kant Dubey" userId="cd28fa1e1902c48d" providerId="LiveId" clId="{576D7E06-507C-4144-8870-D66F0C8A9553}" dt="2025-08-11T12:45:57.914" v="190" actId="14100"/>
+          <ac:picMkLst>
+            <pc:docMk/>
+            <pc:sldMk cId="1831806660" sldId="264"/>
+            <ac:picMk id="6" creationId="{6748746A-BB52-7876-8ECD-87A2C506A39E}"/>
+          </ac:picMkLst>
+        </pc:picChg>
+      </pc:sldChg>
+      <pc:sldChg chg="del">
+        <pc:chgData name="Krishna Kant Dubey" userId="cd28fa1e1902c48d" providerId="LiveId" clId="{576D7E06-507C-4144-8870-D66F0C8A9553}" dt="2025-08-11T12:33:41.715" v="13" actId="2696"/>
+        <pc:sldMkLst>
+          <pc:docMk/>
+          <pc:sldMk cId="3334215418" sldId="264"/>
+        </pc:sldMkLst>
+      </pc:sldChg>
+      <pc:sldChg chg="del">
+        <pc:chgData name="Krishna Kant Dubey" userId="cd28fa1e1902c48d" providerId="LiveId" clId="{576D7E06-507C-4144-8870-D66F0C8A9553}" dt="2025-08-11T12:33:41.715" v="13" actId="2696"/>
+        <pc:sldMkLst>
+          <pc:docMk/>
+          <pc:sldMk cId="1195287565" sldId="265"/>
+        </pc:sldMkLst>
+      </pc:sldChg>
+      <pc:sldChg chg="addSp delSp modSp add mod">
+        <pc:chgData name="Krishna Kant Dubey" userId="cd28fa1e1902c48d" providerId="LiveId" clId="{576D7E06-507C-4144-8870-D66F0C8A9553}" dt="2025-08-11T12:48:49.862" v="256" actId="207"/>
+        <pc:sldMkLst>
+          <pc:docMk/>
+          <pc:sldMk cId="4206649863" sldId="265"/>
+        </pc:sldMkLst>
+        <pc:spChg chg="add del mod">
+          <ac:chgData name="Krishna Kant Dubey" userId="cd28fa1e1902c48d" providerId="LiveId" clId="{576D7E06-507C-4144-8870-D66F0C8A9553}" dt="2025-08-11T12:47:31.070" v="220"/>
+          <ac:spMkLst>
+            <pc:docMk/>
+            <pc:sldMk cId="4206649863" sldId="265"/>
+            <ac:spMk id="3" creationId="{2C6D5554-FC21-E789-F34F-45A250DDACF7}"/>
+          </ac:spMkLst>
+        </pc:spChg>
+        <pc:spChg chg="add mod">
+          <ac:chgData name="Krishna Kant Dubey" userId="cd28fa1e1902c48d" providerId="LiveId" clId="{576D7E06-507C-4144-8870-D66F0C8A9553}" dt="2025-08-11T12:48:49.862" v="256" actId="207"/>
+          <ac:spMkLst>
+            <pc:docMk/>
+            <pc:sldMk cId="4206649863" sldId="265"/>
+            <ac:spMk id="4" creationId="{3FF06C14-1CC3-9218-052C-B6FDF988B026}"/>
+          </ac:spMkLst>
+        </pc:spChg>
+        <pc:spChg chg="mod">
+          <ac:chgData name="Krishna Kant Dubey" userId="cd28fa1e1902c48d" providerId="LiveId" clId="{576D7E06-507C-4144-8870-D66F0C8A9553}" dt="2025-08-11T12:47:09.346" v="218" actId="20577"/>
+          <ac:spMkLst>
+            <pc:docMk/>
+            <pc:sldMk cId="4206649863" sldId="265"/>
+            <ac:spMk id="12" creationId="{0F337317-480B-67E0-4FBD-1770E706961F}"/>
+          </ac:spMkLst>
+        </pc:spChg>
+        <pc:picChg chg="del">
+          <ac:chgData name="Krishna Kant Dubey" userId="cd28fa1e1902c48d" providerId="LiveId" clId="{576D7E06-507C-4144-8870-D66F0C8A9553}" dt="2025-08-11T12:47:11.008" v="219" actId="478"/>
+          <ac:picMkLst>
+            <pc:docMk/>
+            <pc:sldMk cId="4206649863" sldId="265"/>
+            <ac:picMk id="6" creationId="{97BEF336-0D5E-DC70-5948-E4984D60B19D}"/>
+          </ac:picMkLst>
+        </pc:picChg>
+      </pc:sldChg>
+      <pc:sldChg chg="del">
+        <pc:chgData name="Krishna Kant Dubey" userId="cd28fa1e1902c48d" providerId="LiveId" clId="{576D7E06-507C-4144-8870-D66F0C8A9553}" dt="2025-08-11T12:33:41.715" v="13" actId="2696"/>
+        <pc:sldMkLst>
+          <pc:docMk/>
+          <pc:sldMk cId="1370868504" sldId="266"/>
+        </pc:sldMkLst>
+      </pc:sldChg>
+      <pc:sldChg chg="addSp delSp modSp add mod">
+        <pc:chgData name="Krishna Kant Dubey" userId="cd28fa1e1902c48d" providerId="LiveId" clId="{576D7E06-507C-4144-8870-D66F0C8A9553}" dt="2025-08-11T12:52:37.782" v="290" actId="14100"/>
+        <pc:sldMkLst>
+          <pc:docMk/>
+          <pc:sldMk cId="3288183773" sldId="266"/>
+        </pc:sldMkLst>
+        <pc:spChg chg="add mod">
+          <ac:chgData name="Krishna Kant Dubey" userId="cd28fa1e1902c48d" providerId="LiveId" clId="{576D7E06-507C-4144-8870-D66F0C8A9553}" dt="2025-08-11T12:52:37.782" v="290" actId="14100"/>
+          <ac:spMkLst>
+            <pc:docMk/>
+            <pc:sldMk cId="3288183773" sldId="266"/>
+            <ac:spMk id="4" creationId="{104AFAE9-42D1-C362-33C1-BCF14A8EF687}"/>
+          </ac:spMkLst>
+        </pc:spChg>
+        <pc:spChg chg="mod">
+          <ac:chgData name="Krishna Kant Dubey" userId="cd28fa1e1902c48d" providerId="LiveId" clId="{576D7E06-507C-4144-8870-D66F0C8A9553}" dt="2025-08-11T12:51:22.438" v="274" actId="20577"/>
+          <ac:spMkLst>
+            <pc:docMk/>
+            <pc:sldMk cId="3288183773" sldId="266"/>
+            <ac:spMk id="12" creationId="{65FEBF91-1106-8B95-36FF-93EC1F7E9D78}"/>
+          </ac:spMkLst>
+        </pc:spChg>
+        <pc:graphicFrameChg chg="del">
+          <ac:chgData name="Krishna Kant Dubey" userId="cd28fa1e1902c48d" providerId="LiveId" clId="{576D7E06-507C-4144-8870-D66F0C8A9553}" dt="2025-08-11T12:51:27.994" v="275" actId="478"/>
+          <ac:graphicFrameMkLst>
+            <pc:docMk/>
+            <pc:sldMk cId="3288183773" sldId="266"/>
+            <ac:graphicFrameMk id="2" creationId="{417507BF-396B-9E01-35D6-6145A9F7873D}"/>
+          </ac:graphicFrameMkLst>
+        </pc:graphicFrameChg>
+      </pc:sldChg>
+      <pc:sldChg chg="add del">
+        <pc:chgData name="Krishna Kant Dubey" userId="cd28fa1e1902c48d" providerId="LiveId" clId="{576D7E06-507C-4144-8870-D66F0C8A9553}" dt="2025-08-11T12:51:11.396" v="258" actId="2696"/>
+        <pc:sldMkLst>
+          <pc:docMk/>
+          <pc:sldMk cId="4036176545" sldId="266"/>
+        </pc:sldMkLst>
+      </pc:sldChg>
+      <pc:sldChg chg="addSp delSp modSp add mod chgLayout">
+        <pc:chgData name="Krishna Kant Dubey" userId="cd28fa1e1902c48d" providerId="LiveId" clId="{576D7E06-507C-4144-8870-D66F0C8A9553}" dt="2025-08-11T12:56:42.069" v="326" actId="113"/>
+        <pc:sldMkLst>
+          <pc:docMk/>
+          <pc:sldMk cId="836317433" sldId="267"/>
+        </pc:sldMkLst>
+        <pc:spChg chg="add mod ord">
+          <ac:chgData name="Krishna Kant Dubey" userId="cd28fa1e1902c48d" providerId="LiveId" clId="{576D7E06-507C-4144-8870-D66F0C8A9553}" dt="2025-08-11T12:56:42.069" v="326" actId="113"/>
+          <ac:spMkLst>
+            <pc:docMk/>
+            <pc:sldMk cId="836317433" sldId="267"/>
+            <ac:spMk id="2" creationId="{CF765521-4DB2-79FC-D28C-6CEE43E2A47A}"/>
+          </ac:spMkLst>
+        </pc:spChg>
+        <pc:spChg chg="del mod">
+          <ac:chgData name="Krishna Kant Dubey" userId="cd28fa1e1902c48d" providerId="LiveId" clId="{576D7E06-507C-4144-8870-D66F0C8A9553}" dt="2025-08-11T12:54:39.451" v="295" actId="700"/>
+          <ac:spMkLst>
+            <pc:docMk/>
+            <pc:sldMk cId="836317433" sldId="267"/>
+            <ac:spMk id="4" creationId="{71D9854D-B732-A2AD-9386-8E2425D7D35F}"/>
+          </ac:spMkLst>
+        </pc:spChg>
+        <pc:spChg chg="mod ord">
+          <ac:chgData name="Krishna Kant Dubey" userId="cd28fa1e1902c48d" providerId="LiveId" clId="{576D7E06-507C-4144-8870-D66F0C8A9553}" dt="2025-08-11T12:55:02.382" v="303" actId="14100"/>
+          <ac:spMkLst>
+            <pc:docMk/>
+            <pc:sldMk cId="836317433" sldId="267"/>
+            <ac:spMk id="12" creationId="{AB2E2A75-A33D-8C20-C28C-B8E77880BC35}"/>
+          </ac:spMkLst>
+        </pc:spChg>
+      </pc:sldChg>
+      <pc:sldChg chg="del">
+        <pc:chgData name="Krishna Kant Dubey" userId="cd28fa1e1902c48d" providerId="LiveId" clId="{576D7E06-507C-4144-8870-D66F0C8A9553}" dt="2025-08-11T12:33:41.715" v="13" actId="2696"/>
+        <pc:sldMkLst>
+          <pc:docMk/>
+          <pc:sldMk cId="1337943040" sldId="267"/>
+        </pc:sldMkLst>
+      </pc:sldChg>
+      <pc:sldChg chg="modSp add mod">
+        <pc:chgData name="Krishna Kant Dubey" userId="cd28fa1e1902c48d" providerId="LiveId" clId="{576D7E06-507C-4144-8870-D66F0C8A9553}" dt="2025-08-11T12:57:35.552" v="348" actId="207"/>
+        <pc:sldMkLst>
+          <pc:docMk/>
+          <pc:sldMk cId="2138129272" sldId="268"/>
+        </pc:sldMkLst>
+        <pc:spChg chg="mod">
+          <ac:chgData name="Krishna Kant Dubey" userId="cd28fa1e1902c48d" providerId="LiveId" clId="{576D7E06-507C-4144-8870-D66F0C8A9553}" dt="2025-08-11T12:57:35.552" v="348" actId="207"/>
+          <ac:spMkLst>
+            <pc:docMk/>
+            <pc:sldMk cId="2138129272" sldId="268"/>
+            <ac:spMk id="2" creationId="{C121613B-6185-34CB-2747-E469FF778DBD}"/>
+          </ac:spMkLst>
+        </pc:spChg>
+      </pc:sldChg>
+      <pc:sldChg chg="modSp add mod">
+        <pc:chgData name="Krishna Kant Dubey" userId="cd28fa1e1902c48d" providerId="LiveId" clId="{576D7E06-507C-4144-8870-D66F0C8A9553}" dt="2025-08-11T13:01:35.090" v="395" actId="20577"/>
+        <pc:sldMkLst>
+          <pc:docMk/>
+          <pc:sldMk cId="3482225180" sldId="269"/>
+        </pc:sldMkLst>
+        <pc:spChg chg="mod">
+          <ac:chgData name="Krishna Kant Dubey" userId="cd28fa1e1902c48d" providerId="LiveId" clId="{576D7E06-507C-4144-8870-D66F0C8A9553}" dt="2025-08-11T13:01:35.090" v="395" actId="20577"/>
+          <ac:spMkLst>
+            <pc:docMk/>
+            <pc:sldMk cId="3482225180" sldId="269"/>
+            <ac:spMk id="2" creationId="{339D46FD-3C6F-8211-5A42-FD7BC7C96D63}"/>
+          </ac:spMkLst>
+        </pc:spChg>
+      </pc:sldChg>
+      <pc:sldChg chg="modSp add mod">
+        <pc:chgData name="Krishna Kant Dubey" userId="cd28fa1e1902c48d" providerId="LiveId" clId="{576D7E06-507C-4144-8870-D66F0C8A9553}" dt="2025-08-11T13:00:51.155" v="394" actId="14100"/>
+        <pc:sldMkLst>
+          <pc:docMk/>
+          <pc:sldMk cId="352409927" sldId="270"/>
+        </pc:sldMkLst>
+        <pc:spChg chg="mod">
+          <ac:chgData name="Krishna Kant Dubey" userId="cd28fa1e1902c48d" providerId="LiveId" clId="{576D7E06-507C-4144-8870-D66F0C8A9553}" dt="2025-08-11T13:00:51.155" v="394" actId="14100"/>
+          <ac:spMkLst>
+            <pc:docMk/>
+            <pc:sldMk cId="352409927" sldId="270"/>
+            <ac:spMk id="2" creationId="{8389677C-ED63-CD03-651F-CF31F9680CF6}"/>
+          </ac:spMkLst>
+        </pc:spChg>
+      </pc:sldChg>
+      <pc:sldChg chg="modSp add mod">
+        <pc:chgData name="Krishna Kant Dubey" userId="cd28fa1e1902c48d" providerId="LiveId" clId="{576D7E06-507C-4144-8870-D66F0C8A9553}" dt="2025-08-11T13:02:41.658" v="416" actId="207"/>
+        <pc:sldMkLst>
+          <pc:docMk/>
+          <pc:sldMk cId="371498654" sldId="271"/>
+        </pc:sldMkLst>
+        <pc:spChg chg="mod">
+          <ac:chgData name="Krishna Kant Dubey" userId="cd28fa1e1902c48d" providerId="LiveId" clId="{576D7E06-507C-4144-8870-D66F0C8A9553}" dt="2025-08-11T13:02:41.658" v="416" actId="207"/>
+          <ac:spMkLst>
+            <pc:docMk/>
+            <pc:sldMk cId="371498654" sldId="271"/>
+            <ac:spMk id="2" creationId="{314F179B-AD05-8AF3-D33E-1298CD016F25}"/>
+          </ac:spMkLst>
+        </pc:spChg>
+      </pc:sldChg>
+      <pc:sldChg chg="modSp add mod">
+        <pc:chgData name="Krishna Kant Dubey" userId="cd28fa1e1902c48d" providerId="LiveId" clId="{576D7E06-507C-4144-8870-D66F0C8A9553}" dt="2025-08-11T13:03:56.088" v="438" actId="207"/>
+        <pc:sldMkLst>
+          <pc:docMk/>
+          <pc:sldMk cId="2413114476" sldId="272"/>
+        </pc:sldMkLst>
+        <pc:spChg chg="mod">
+          <ac:chgData name="Krishna Kant Dubey" userId="cd28fa1e1902c48d" providerId="LiveId" clId="{576D7E06-507C-4144-8870-D66F0C8A9553}" dt="2025-08-11T13:03:56.088" v="438" actId="207"/>
+          <ac:spMkLst>
+            <pc:docMk/>
+            <pc:sldMk cId="2413114476" sldId="272"/>
+            <ac:spMk id="2" creationId="{C9809641-F180-01FE-C6A1-B26C76F04124}"/>
+          </ac:spMkLst>
+        </pc:spChg>
+      </pc:sldChg>
+    </pc:docChg>
+  </pc:docChgLst>
+</pc:chgInfo>
+</file>
+
 <file path=ppt/notesMasters/notesMaster1.xml><?xml version="1.0" encoding="utf-8"?>
 <p:notesMaster xmlns:a="http://schemas.openxmlformats.org/drawingml/2006/main" xmlns:r="http://schemas.openxmlformats.org/officeDocument/2006/relationships" xmlns:p="http://schemas.openxmlformats.org/presentationml/2006/main">
   <p:cSld>
@@ -207,7 +603,7 @@
           <a:p>
             <a:fld id="{771BC1E5-8BD3-45A8-A8D4-BE6B8D3F526F}" type="datetimeFigureOut">
               <a:rPr lang="en-IN" smtClean="0"/>
-              <a:t>28-07-2025</a:t>
+              <a:t>11-08-2025</a:t>
             </a:fld>
             <a:endParaRPr lang="en-IN"/>
           </a:p>
@@ -624,7 +1020,7 @@
           <a:p>
             <a:fld id="{8B8265E5-5E35-4F50-869B-ACC7CF337DF9}" type="datetimeFigureOut">
               <a:rPr lang="en-IN" smtClean="0"/>
-              <a:t>28-07-2025</a:t>
+              <a:t>11-08-2025</a:t>
             </a:fld>
             <a:endParaRPr lang="en-IN"/>
           </a:p>
@@ -824,7 +1220,7 @@
           <a:p>
             <a:fld id="{8B8265E5-5E35-4F50-869B-ACC7CF337DF9}" type="datetimeFigureOut">
               <a:rPr lang="en-IN" smtClean="0"/>
-              <a:t>28-07-2025</a:t>
+              <a:t>11-08-2025</a:t>
             </a:fld>
             <a:endParaRPr lang="en-IN"/>
           </a:p>
@@ -1034,7 +1430,7 @@
           <a:p>
             <a:fld id="{8B8265E5-5E35-4F50-869B-ACC7CF337DF9}" type="datetimeFigureOut">
               <a:rPr lang="en-IN" smtClean="0"/>
-              <a:t>28-07-2025</a:t>
+              <a:t>11-08-2025</a:t>
             </a:fld>
             <a:endParaRPr lang="en-IN"/>
           </a:p>
@@ -1234,7 +1630,7 @@
           <a:p>
             <a:fld id="{8B8265E5-5E35-4F50-869B-ACC7CF337DF9}" type="datetimeFigureOut">
               <a:rPr lang="en-IN" smtClean="0"/>
-              <a:t>28-07-2025</a:t>
+              <a:t>11-08-2025</a:t>
             </a:fld>
             <a:endParaRPr lang="en-IN"/>
           </a:p>
@@ -1510,7 +1906,7 @@
           <a:p>
             <a:fld id="{8B8265E5-5E35-4F50-869B-ACC7CF337DF9}" type="datetimeFigureOut">
               <a:rPr lang="en-IN" smtClean="0"/>
-              <a:t>28-07-2025</a:t>
+              <a:t>11-08-2025</a:t>
             </a:fld>
             <a:endParaRPr lang="en-IN"/>
           </a:p>
@@ -1778,7 +2174,7 @@
           <a:p>
             <a:fld id="{8B8265E5-5E35-4F50-869B-ACC7CF337DF9}" type="datetimeFigureOut">
               <a:rPr lang="en-IN" smtClean="0"/>
-              <a:t>28-07-2025</a:t>
+              <a:t>11-08-2025</a:t>
             </a:fld>
             <a:endParaRPr lang="en-IN"/>
           </a:p>
@@ -2193,7 +2589,7 @@
           <a:p>
             <a:fld id="{8B8265E5-5E35-4F50-869B-ACC7CF337DF9}" type="datetimeFigureOut">
               <a:rPr lang="en-IN" smtClean="0"/>
-              <a:t>28-07-2025</a:t>
+              <a:t>11-08-2025</a:t>
             </a:fld>
             <a:endParaRPr lang="en-IN"/>
           </a:p>
@@ -2335,7 +2731,7 @@
           <a:p>
             <a:fld id="{8B8265E5-5E35-4F50-869B-ACC7CF337DF9}" type="datetimeFigureOut">
               <a:rPr lang="en-IN" smtClean="0"/>
-              <a:t>28-07-2025</a:t>
+              <a:t>11-08-2025</a:t>
             </a:fld>
             <a:endParaRPr lang="en-IN"/>
           </a:p>
@@ -2448,7 +2844,7 @@
           <a:p>
             <a:fld id="{8B8265E5-5E35-4F50-869B-ACC7CF337DF9}" type="datetimeFigureOut">
               <a:rPr lang="en-IN" smtClean="0"/>
-              <a:t>28-07-2025</a:t>
+              <a:t>11-08-2025</a:t>
             </a:fld>
             <a:endParaRPr lang="en-IN"/>
           </a:p>
@@ -2761,7 +3157,7 @@
           <a:p>
             <a:fld id="{8B8265E5-5E35-4F50-869B-ACC7CF337DF9}" type="datetimeFigureOut">
               <a:rPr lang="en-IN" smtClean="0"/>
-              <a:t>28-07-2025</a:t>
+              <a:t>11-08-2025</a:t>
             </a:fld>
             <a:endParaRPr lang="en-IN"/>
           </a:p>
@@ -3050,7 +3446,7 @@
           <a:p>
             <a:fld id="{8B8265E5-5E35-4F50-869B-ACC7CF337DF9}" type="datetimeFigureOut">
               <a:rPr lang="en-IN" smtClean="0"/>
-              <a:t>28-07-2025</a:t>
+              <a:t>11-08-2025</a:t>
             </a:fld>
             <a:endParaRPr lang="en-IN"/>
           </a:p>
@@ -3293,7 +3689,7 @@
           <a:p>
             <a:fld id="{8B8265E5-5E35-4F50-869B-ACC7CF337DF9}" type="datetimeFigureOut">
               <a:rPr lang="en-IN" smtClean="0"/>
-              <a:t>28-07-2025</a:t>
+              <a:t>11-08-2025</a:t>
             </a:fld>
             <a:endParaRPr lang="en-IN"/>
           </a:p>
@@ -3842,6 +4238,41 @@
           </a:p>
         </p:txBody>
       </p:sp>
+      <p:pic>
+        <p:nvPicPr>
+          <p:cNvPr id="3" name="Content Placeholder 4">
+            <a:extLst>
+              <a:ext uri="{FF2B5EF4-FFF2-40B4-BE49-F238E27FC236}">
+                <a16:creationId xmlns:a16="http://schemas.microsoft.com/office/drawing/2014/main" id="{49D86A38-3EE8-3EE8-6AF2-C0DB66DB3443}"/>
+              </a:ext>
+            </a:extLst>
+          </p:cNvPr>
+          <p:cNvPicPr>
+            <a:picLocks noGrp="1" noChangeAspect="1"/>
+          </p:cNvPicPr>
+          <p:nvPr/>
+        </p:nvPicPr>
+        <p:blipFill>
+          <a:blip r:embed="rId4">
+            <a:extLst>
+              <a:ext uri="{28A0092B-C50C-407E-A947-70E740481C1C}">
+                <a14:useLocalDpi xmlns:a14="http://schemas.microsoft.com/office/drawing/2010/main" val="0"/>
+              </a:ext>
+            </a:extLst>
+          </a:blip>
+          <a:srcRect/>
+          <a:stretch/>
+        </p:blipFill>
+        <p:spPr>
+          <a:xfrm>
+            <a:off x="-3047" y="0"/>
+            <a:ext cx="12198095" cy="6858000"/>
+          </a:xfrm>
+          <a:prstGeom prst="rect">
+            <a:avLst/>
+          </a:prstGeom>
+        </p:spPr>
+      </p:pic>
     </p:spTree>
     <p:extLst>
       <p:ext uri="{BB962C8B-B14F-4D97-AF65-F5344CB8AC3E}">
@@ -3863,7 +4294,7 @@
         <p:cNvPr id="1" name="">
           <a:extLst>
             <a:ext uri="{FF2B5EF4-FFF2-40B4-BE49-F238E27FC236}">
-              <a16:creationId xmlns:a16="http://schemas.microsoft.com/office/drawing/2014/main" id="{BF4FBA5A-6499-8A35-6086-5B35D38E057E}"/>
+              <a16:creationId xmlns:a16="http://schemas.microsoft.com/office/drawing/2014/main" id="{85798E87-8496-B873-843E-2C9C2848B857}"/>
             </a:ext>
           </a:extLst>
         </p:cNvPr>
@@ -3883,7 +4314,7 @@
           <p:cNvPr id="9" name="Picture 8">
             <a:extLst>
               <a:ext uri="{FF2B5EF4-FFF2-40B4-BE49-F238E27FC236}">
-                <a16:creationId xmlns:a16="http://schemas.microsoft.com/office/drawing/2014/main" id="{73FF0F37-FC9B-A15F-415E-0129E11385F5}"/>
+                <a16:creationId xmlns:a16="http://schemas.microsoft.com/office/drawing/2014/main" id="{C34EEEA8-3EF4-CEB4-344B-22F0B69A0D97}"/>
               </a:ext>
             </a:extLst>
           </p:cNvPr>
@@ -3906,7 +4337,7 @@
         </p:blipFill>
         <p:spPr>
           <a:xfrm>
-            <a:off x="0" y="0"/>
+            <a:off x="0" y="4707"/>
             <a:ext cx="12192000" cy="6853293"/>
           </a:xfrm>
           <a:prstGeom prst="rect">
@@ -3919,7 +4350,7 @@
           <p:cNvPr id="12" name="Title 11">
             <a:extLst>
               <a:ext uri="{FF2B5EF4-FFF2-40B4-BE49-F238E27FC236}">
-                <a16:creationId xmlns:a16="http://schemas.microsoft.com/office/drawing/2014/main" id="{3437FF27-219F-D813-D37F-DDB2C5738BC8}"/>
+                <a16:creationId xmlns:a16="http://schemas.microsoft.com/office/drawing/2014/main" id="{EF0BE3EA-9566-0A14-DE6B-50C0AF1F6336}"/>
               </a:ext>
             </a:extLst>
           </p:cNvPr>
@@ -3932,8 +4363,8 @@
         </p:nvSpPr>
         <p:spPr>
           <a:xfrm>
-            <a:off x="838200" y="1363581"/>
-            <a:ext cx="10515600" cy="3076074"/>
+            <a:off x="838200" y="966866"/>
+            <a:ext cx="10515600" cy="723822"/>
           </a:xfrm>
         </p:spPr>
         <p:txBody>
@@ -3942,91 +4373,143 @@
           </a:bodyPr>
           <a:lstStyle/>
           <a:p>
-            <a:r>
+            <a:br>
               <a:rPr lang="en-US" b="1" dirty="0">
                 <a:solidFill>
                   <a:srgbClr val="C00000"/>
-                </a:solidFill>
-              </a:rPr>
-              <a:t>Deep Learning</a:t>
-            </a:r>
-            <a:br>
-              <a:rPr lang="en-IN" dirty="0">
-                <a:solidFill>
-                  <a:srgbClr val="002060"/>
                 </a:solidFill>
               </a:rPr>
             </a:br>
             <a:br>
-              <a:rPr lang="en-IN" dirty="0">
+              <a:rPr lang="en-US" b="1" dirty="0">
+                <a:solidFill>
+                  <a:srgbClr val="C00000"/>
+                </a:solidFill>
+              </a:rPr>
+            </a:br>
+            <a:r>
+              <a:rPr lang="en-US" b="1" dirty="0">
+                <a:solidFill>
+                  <a:srgbClr val="C00000"/>
+                </a:solidFill>
+              </a:rPr>
+              <a:t>Impact of Unprocessed Data on Analytical Operations</a:t>
+            </a:r>
+          </a:p>
+        </p:txBody>
+      </p:sp>
+      <p:sp>
+        <p:nvSpPr>
+          <p:cNvPr id="2" name="Content Placeholder 1">
+            <a:extLst>
+              <a:ext uri="{FF2B5EF4-FFF2-40B4-BE49-F238E27FC236}">
+                <a16:creationId xmlns:a16="http://schemas.microsoft.com/office/drawing/2014/main" id="{C121613B-6185-34CB-2747-E469FF778DBD}"/>
+              </a:ext>
+            </a:extLst>
+          </p:cNvPr>
+          <p:cNvSpPr>
+            <a:spLocks noGrp="1"/>
+          </p:cNvSpPr>
+          <p:nvPr>
+            <p:ph idx="1"/>
+          </p:nvPr>
+        </p:nvSpPr>
+        <p:spPr>
+          <a:xfrm>
+            <a:off x="838200" y="2383435"/>
+            <a:ext cx="10515600" cy="3507699"/>
+          </a:xfrm>
+        </p:spPr>
+        <p:txBody>
+          <a:bodyPr/>
+          <a:lstStyle/>
+          <a:p>
+            <a:pPr marL="0" indent="0">
+              <a:buNone/>
+            </a:pPr>
+            <a:r>
+              <a:rPr lang="en-US" b="1" dirty="0">
+                <a:solidFill>
+                  <a:srgbClr val="FF0000"/>
+                </a:solidFill>
+              </a:rPr>
+              <a:t>Poor Model Performance</a:t>
+            </a:r>
+          </a:p>
+          <a:p>
+            <a:pPr marL="0" indent="0">
+              <a:buNone/>
+            </a:pPr>
+            <a:r>
+              <a:rPr lang="en-US" b="1" dirty="0">
+                <a:solidFill>
+                  <a:srgbClr val="00B050"/>
+                </a:solidFill>
+              </a:rPr>
+              <a:t>Issue: </a:t>
+            </a:r>
+            <a:r>
+              <a:rPr lang="en-US" dirty="0">
                 <a:solidFill>
                   <a:srgbClr val="002060"/>
                 </a:solidFill>
               </a:rPr>
-            </a:br>
-            <a:br>
+              <a:t>Machine learning models rely on clean, well-structured input.</a:t>
+            </a:r>
+          </a:p>
+          <a:p>
+            <a:pPr marL="0" indent="0">
+              <a:buNone/>
+            </a:pPr>
+            <a:r>
+              <a:rPr lang="en-US" b="1" dirty="0">
+                <a:solidFill>
+                  <a:srgbClr val="00B050"/>
+                </a:solidFill>
+              </a:rPr>
+              <a:t>Impact: </a:t>
+            </a:r>
+            <a:r>
               <a:rPr lang="en-US" dirty="0">
                 <a:solidFill>
                   <a:srgbClr val="002060"/>
                 </a:solidFill>
               </a:rPr>
-            </a:br>
-            <a:br>
+              <a:t>Noisy or irrelevant features reduce accuracy and increase overfitting.</a:t>
+            </a:r>
+          </a:p>
+          <a:p>
+            <a:pPr marL="0" indent="0">
+              <a:buNone/>
+            </a:pPr>
+            <a:r>
+              <a:rPr lang="en-US" b="1" dirty="0">
+                <a:solidFill>
+                  <a:srgbClr val="00B050"/>
+                </a:solidFill>
+              </a:rPr>
+              <a:t>Example: </a:t>
+            </a:r>
+            <a:r>
               <a:rPr lang="en-US" dirty="0">
                 <a:solidFill>
                   <a:srgbClr val="002060"/>
                 </a:solidFill>
               </a:rPr>
-            </a:br>
-            <a:br>
-              <a:rPr lang="en-US" dirty="0">
-                <a:solidFill>
-                  <a:srgbClr val="002060"/>
-                </a:solidFill>
-              </a:rPr>
-            </a:br>
-            <a:endParaRPr lang="en-IN" b="1" dirty="0">
+              <a:t>Unnormalized numerical data can bias regression coefficients or distance-based algorithms.</a:t>
+            </a:r>
+            <a:endParaRPr lang="en-IN" dirty="0">
               <a:solidFill>
-                <a:srgbClr val="FF0000"/>
+                <a:srgbClr val="002060"/>
               </a:solidFill>
             </a:endParaRPr>
-          </a:p>
-        </p:txBody>
-      </p:sp>
-      <p:sp>
-        <p:nvSpPr>
-          <p:cNvPr id="4" name="Content Placeholder 3">
-            <a:extLst>
-              <a:ext uri="{FF2B5EF4-FFF2-40B4-BE49-F238E27FC236}">
-                <a16:creationId xmlns:a16="http://schemas.microsoft.com/office/drawing/2014/main" id="{B93C4DBF-5000-13CE-0F3B-163064CCB4C4}"/>
-              </a:ext>
-            </a:extLst>
-          </p:cNvPr>
-          <p:cNvSpPr>
-            <a:spLocks noGrp="1"/>
-          </p:cNvSpPr>
-          <p:nvPr>
-            <p:ph idx="1"/>
-          </p:nvPr>
-        </p:nvSpPr>
-        <p:spPr>
-          <a:xfrm>
-            <a:off x="838200" y="2261937"/>
-            <a:ext cx="10515600" cy="3915026"/>
-          </a:xfrm>
-        </p:spPr>
-        <p:txBody>
-          <a:bodyPr/>
-          <a:lstStyle/>
-          <a:p>
-            <a:endParaRPr lang="en-IN" dirty="0"/>
           </a:p>
         </p:txBody>
       </p:sp>
     </p:spTree>
     <p:extLst>
       <p:ext uri="{BB962C8B-B14F-4D97-AF65-F5344CB8AC3E}">
-        <p14:creationId xmlns:p14="http://schemas.microsoft.com/office/powerpoint/2010/main" val="1195287565"/>
+        <p14:creationId xmlns:p14="http://schemas.microsoft.com/office/powerpoint/2010/main" val="2138129272"/>
       </p:ext>
     </p:extLst>
   </p:cSld>
@@ -4037,6 +4520,946 @@
 </file>
 
 <file path=ppt/slides/slide11.xml><?xml version="1.0" encoding="utf-8"?>
+<p:sld xmlns:a="http://schemas.openxmlformats.org/drawingml/2006/main" xmlns:r="http://schemas.openxmlformats.org/officeDocument/2006/relationships" xmlns:p="http://schemas.openxmlformats.org/presentationml/2006/main">
+  <p:cSld>
+    <p:spTree>
+      <p:nvGrpSpPr>
+        <p:cNvPr id="1" name="">
+          <a:extLst>
+            <a:ext uri="{FF2B5EF4-FFF2-40B4-BE49-F238E27FC236}">
+              <a16:creationId xmlns:a16="http://schemas.microsoft.com/office/drawing/2014/main" id="{4B049062-931B-3A99-B0F9-91D046FEEA3E}"/>
+            </a:ext>
+          </a:extLst>
+        </p:cNvPr>
+        <p:cNvGrpSpPr/>
+        <p:nvPr/>
+      </p:nvGrpSpPr>
+      <p:grpSpPr>
+        <a:xfrm>
+          <a:off x="0" y="0"/>
+          <a:ext cx="0" cy="0"/>
+          <a:chOff x="0" y="0"/>
+          <a:chExt cx="0" cy="0"/>
+        </a:xfrm>
+      </p:grpSpPr>
+      <p:pic>
+        <p:nvPicPr>
+          <p:cNvPr id="9" name="Picture 8">
+            <a:extLst>
+              <a:ext uri="{FF2B5EF4-FFF2-40B4-BE49-F238E27FC236}">
+                <a16:creationId xmlns:a16="http://schemas.microsoft.com/office/drawing/2014/main" id="{CB7F7C68-9398-BF7B-814B-C57903AE17DF}"/>
+              </a:ext>
+            </a:extLst>
+          </p:cNvPr>
+          <p:cNvPicPr>
+            <a:picLocks noChangeAspect="1"/>
+          </p:cNvPicPr>
+          <p:nvPr/>
+        </p:nvPicPr>
+        <p:blipFill>
+          <a:blip r:embed="rId2">
+            <a:extLst>
+              <a:ext uri="{28A0092B-C50C-407E-A947-70E740481C1C}">
+                <a14:useLocalDpi xmlns:a14="http://schemas.microsoft.com/office/drawing/2010/main" val="0"/>
+              </a:ext>
+            </a:extLst>
+          </a:blip>
+          <a:stretch>
+            <a:fillRect/>
+          </a:stretch>
+        </p:blipFill>
+        <p:spPr>
+          <a:xfrm>
+            <a:off x="0" y="4707"/>
+            <a:ext cx="12192000" cy="6853293"/>
+          </a:xfrm>
+          <a:prstGeom prst="rect">
+            <a:avLst/>
+          </a:prstGeom>
+        </p:spPr>
+      </p:pic>
+      <p:sp>
+        <p:nvSpPr>
+          <p:cNvPr id="12" name="Title 11">
+            <a:extLst>
+              <a:ext uri="{FF2B5EF4-FFF2-40B4-BE49-F238E27FC236}">
+                <a16:creationId xmlns:a16="http://schemas.microsoft.com/office/drawing/2014/main" id="{394FE8D4-2108-0AA3-C16A-806A369D24AF}"/>
+              </a:ext>
+            </a:extLst>
+          </p:cNvPr>
+          <p:cNvSpPr>
+            <a:spLocks noGrp="1"/>
+          </p:cNvSpPr>
+          <p:nvPr>
+            <p:ph type="title"/>
+          </p:nvPr>
+        </p:nvSpPr>
+        <p:spPr>
+          <a:xfrm>
+            <a:off x="838200" y="966866"/>
+            <a:ext cx="10515600" cy="723822"/>
+          </a:xfrm>
+        </p:spPr>
+        <p:txBody>
+          <a:bodyPr>
+            <a:normAutofit fontScale="90000"/>
+          </a:bodyPr>
+          <a:lstStyle/>
+          <a:p>
+            <a:br>
+              <a:rPr lang="en-US" b="1" dirty="0">
+                <a:solidFill>
+                  <a:srgbClr val="C00000"/>
+                </a:solidFill>
+              </a:rPr>
+            </a:br>
+            <a:br>
+              <a:rPr lang="en-US" b="1" dirty="0">
+                <a:solidFill>
+                  <a:srgbClr val="C00000"/>
+                </a:solidFill>
+              </a:rPr>
+            </a:br>
+            <a:r>
+              <a:rPr lang="en-US" b="1" dirty="0">
+                <a:solidFill>
+                  <a:srgbClr val="C00000"/>
+                </a:solidFill>
+              </a:rPr>
+              <a:t>Impact of Unprocessed Data on Analytical Operations</a:t>
+            </a:r>
+          </a:p>
+        </p:txBody>
+      </p:sp>
+      <p:sp>
+        <p:nvSpPr>
+          <p:cNvPr id="2" name="Content Placeholder 1">
+            <a:extLst>
+              <a:ext uri="{FF2B5EF4-FFF2-40B4-BE49-F238E27FC236}">
+                <a16:creationId xmlns:a16="http://schemas.microsoft.com/office/drawing/2014/main" id="{339D46FD-3C6F-8211-5A42-FD7BC7C96D63}"/>
+              </a:ext>
+            </a:extLst>
+          </p:cNvPr>
+          <p:cNvSpPr>
+            <a:spLocks noGrp="1"/>
+          </p:cNvSpPr>
+          <p:nvPr>
+            <p:ph idx="1"/>
+          </p:nvPr>
+        </p:nvSpPr>
+        <p:spPr>
+          <a:xfrm>
+            <a:off x="838200" y="2383435"/>
+            <a:ext cx="10515600" cy="3507699"/>
+          </a:xfrm>
+        </p:spPr>
+        <p:txBody>
+          <a:bodyPr/>
+          <a:lstStyle/>
+          <a:p>
+            <a:pPr marL="0" indent="0">
+              <a:buNone/>
+            </a:pPr>
+            <a:r>
+              <a:rPr lang="en-US" b="1" dirty="0">
+                <a:solidFill>
+                  <a:srgbClr val="FF0000"/>
+                </a:solidFill>
+              </a:rPr>
+              <a:t>Increased Complexity and Processing Time</a:t>
+            </a:r>
+          </a:p>
+          <a:p>
+            <a:pPr marL="0" indent="0">
+              <a:buNone/>
+            </a:pPr>
+            <a:r>
+              <a:rPr lang="en-US" b="1" dirty="0">
+                <a:solidFill>
+                  <a:srgbClr val="00B050"/>
+                </a:solidFill>
+              </a:rPr>
+              <a:t>Issue:</a:t>
+            </a:r>
+            <a:r>
+              <a:rPr lang="en-US" b="1" dirty="0">
+                <a:solidFill>
+                  <a:srgbClr val="FF0000"/>
+                </a:solidFill>
+              </a:rPr>
+              <a:t> </a:t>
+            </a:r>
+            <a:r>
+              <a:rPr lang="en-US" dirty="0">
+                <a:solidFill>
+                  <a:srgbClr val="002060"/>
+                </a:solidFill>
+              </a:rPr>
+              <a:t>Unprocessed data often includes redundant or irrelevant fields.</a:t>
+            </a:r>
+          </a:p>
+          <a:p>
+            <a:pPr marL="0" indent="0">
+              <a:buNone/>
+            </a:pPr>
+            <a:r>
+              <a:rPr lang="en-US" b="1" dirty="0">
+                <a:solidFill>
+                  <a:srgbClr val="00B050"/>
+                </a:solidFill>
+              </a:rPr>
+              <a:t>Impact: </a:t>
+            </a:r>
+            <a:r>
+              <a:rPr lang="en-US" dirty="0">
+                <a:solidFill>
+                  <a:srgbClr val="002060"/>
+                </a:solidFill>
+              </a:rPr>
+              <a:t>Slows down computation, increases memory usage, and complicates workflows.</a:t>
+            </a:r>
+          </a:p>
+          <a:p>
+            <a:pPr marL="0" indent="0">
+              <a:buNone/>
+            </a:pPr>
+            <a:r>
+              <a:rPr lang="en-US" b="1" dirty="0">
+                <a:solidFill>
+                  <a:srgbClr val="00B050"/>
+                </a:solidFill>
+              </a:rPr>
+              <a:t>Example: </a:t>
+            </a:r>
+            <a:r>
+              <a:rPr lang="en-US" dirty="0">
+                <a:solidFill>
+                  <a:srgbClr val="002060"/>
+                </a:solidFill>
+              </a:rPr>
+              <a:t>A dataset with 100+ columns may require dimensionality reduction before modeling.</a:t>
+            </a:r>
+            <a:endParaRPr lang="en-IN" dirty="0">
+              <a:solidFill>
+                <a:srgbClr val="002060"/>
+              </a:solidFill>
+            </a:endParaRPr>
+          </a:p>
+        </p:txBody>
+      </p:sp>
+    </p:spTree>
+    <p:extLst>
+      <p:ext uri="{BB962C8B-B14F-4D97-AF65-F5344CB8AC3E}">
+        <p14:creationId xmlns:p14="http://schemas.microsoft.com/office/powerpoint/2010/main" val="3482225180"/>
+      </p:ext>
+    </p:extLst>
+  </p:cSld>
+  <p:clrMapOvr>
+    <a:masterClrMapping/>
+  </p:clrMapOvr>
+</p:sld>
+</file>
+
+<file path=ppt/slides/slide12.xml><?xml version="1.0" encoding="utf-8"?>
+<p:sld xmlns:a="http://schemas.openxmlformats.org/drawingml/2006/main" xmlns:r="http://schemas.openxmlformats.org/officeDocument/2006/relationships" xmlns:p="http://schemas.openxmlformats.org/presentationml/2006/main">
+  <p:cSld>
+    <p:spTree>
+      <p:nvGrpSpPr>
+        <p:cNvPr id="1" name="">
+          <a:extLst>
+            <a:ext uri="{FF2B5EF4-FFF2-40B4-BE49-F238E27FC236}">
+              <a16:creationId xmlns:a16="http://schemas.microsoft.com/office/drawing/2014/main" id="{A11AE1E6-7103-E469-68AF-CD749D363D9F}"/>
+            </a:ext>
+          </a:extLst>
+        </p:cNvPr>
+        <p:cNvGrpSpPr/>
+        <p:nvPr/>
+      </p:nvGrpSpPr>
+      <p:grpSpPr>
+        <a:xfrm>
+          <a:off x="0" y="0"/>
+          <a:ext cx="0" cy="0"/>
+          <a:chOff x="0" y="0"/>
+          <a:chExt cx="0" cy="0"/>
+        </a:xfrm>
+      </p:grpSpPr>
+      <p:pic>
+        <p:nvPicPr>
+          <p:cNvPr id="9" name="Picture 8">
+            <a:extLst>
+              <a:ext uri="{FF2B5EF4-FFF2-40B4-BE49-F238E27FC236}">
+                <a16:creationId xmlns:a16="http://schemas.microsoft.com/office/drawing/2014/main" id="{BAE285AC-EBE9-1866-4D21-9451A1B5533C}"/>
+              </a:ext>
+            </a:extLst>
+          </p:cNvPr>
+          <p:cNvPicPr>
+            <a:picLocks noChangeAspect="1"/>
+          </p:cNvPicPr>
+          <p:nvPr/>
+        </p:nvPicPr>
+        <p:blipFill>
+          <a:blip r:embed="rId2">
+            <a:extLst>
+              <a:ext uri="{28A0092B-C50C-407E-A947-70E740481C1C}">
+                <a14:useLocalDpi xmlns:a14="http://schemas.microsoft.com/office/drawing/2010/main" val="0"/>
+              </a:ext>
+            </a:extLst>
+          </a:blip>
+          <a:stretch>
+            <a:fillRect/>
+          </a:stretch>
+        </p:blipFill>
+        <p:spPr>
+          <a:xfrm>
+            <a:off x="0" y="4707"/>
+            <a:ext cx="12192000" cy="6853293"/>
+          </a:xfrm>
+          <a:prstGeom prst="rect">
+            <a:avLst/>
+          </a:prstGeom>
+        </p:spPr>
+      </p:pic>
+      <p:sp>
+        <p:nvSpPr>
+          <p:cNvPr id="12" name="Title 11">
+            <a:extLst>
+              <a:ext uri="{FF2B5EF4-FFF2-40B4-BE49-F238E27FC236}">
+                <a16:creationId xmlns:a16="http://schemas.microsoft.com/office/drawing/2014/main" id="{167429D7-9D3E-9F94-79DF-B307E9FE33AD}"/>
+              </a:ext>
+            </a:extLst>
+          </p:cNvPr>
+          <p:cNvSpPr>
+            <a:spLocks noGrp="1"/>
+          </p:cNvSpPr>
+          <p:nvPr>
+            <p:ph type="title"/>
+          </p:nvPr>
+        </p:nvSpPr>
+        <p:spPr>
+          <a:xfrm>
+            <a:off x="838200" y="966866"/>
+            <a:ext cx="10515600" cy="723822"/>
+          </a:xfrm>
+        </p:spPr>
+        <p:txBody>
+          <a:bodyPr>
+            <a:normAutofit fontScale="90000"/>
+          </a:bodyPr>
+          <a:lstStyle/>
+          <a:p>
+            <a:br>
+              <a:rPr lang="en-US" b="1" dirty="0">
+                <a:solidFill>
+                  <a:srgbClr val="C00000"/>
+                </a:solidFill>
+              </a:rPr>
+            </a:br>
+            <a:br>
+              <a:rPr lang="en-US" b="1" dirty="0">
+                <a:solidFill>
+                  <a:srgbClr val="C00000"/>
+                </a:solidFill>
+              </a:rPr>
+            </a:br>
+            <a:r>
+              <a:rPr lang="en-US" b="1" dirty="0">
+                <a:solidFill>
+                  <a:srgbClr val="C00000"/>
+                </a:solidFill>
+              </a:rPr>
+              <a:t>Impact of Unprocessed Data on Analytical Operations</a:t>
+            </a:r>
+          </a:p>
+        </p:txBody>
+      </p:sp>
+      <p:sp>
+        <p:nvSpPr>
+          <p:cNvPr id="2" name="Content Placeholder 1">
+            <a:extLst>
+              <a:ext uri="{FF2B5EF4-FFF2-40B4-BE49-F238E27FC236}">
+                <a16:creationId xmlns:a16="http://schemas.microsoft.com/office/drawing/2014/main" id="{8389677C-ED63-CD03-651F-CF31F9680CF6}"/>
+              </a:ext>
+            </a:extLst>
+          </p:cNvPr>
+          <p:cNvSpPr>
+            <a:spLocks noGrp="1"/>
+          </p:cNvSpPr>
+          <p:nvPr>
+            <p:ph idx="1"/>
+          </p:nvPr>
+        </p:nvSpPr>
+        <p:spPr>
+          <a:xfrm>
+            <a:off x="838200" y="2443397"/>
+            <a:ext cx="10515600" cy="3447737"/>
+          </a:xfrm>
+        </p:spPr>
+        <p:txBody>
+          <a:bodyPr/>
+          <a:lstStyle/>
+          <a:p>
+            <a:pPr marL="0" indent="0">
+              <a:buNone/>
+            </a:pPr>
+            <a:r>
+              <a:rPr lang="en-US" b="1" dirty="0">
+                <a:solidFill>
+                  <a:srgbClr val="FF0000"/>
+                </a:solidFill>
+              </a:rPr>
+              <a:t>Misleading Insights</a:t>
+            </a:r>
+          </a:p>
+          <a:p>
+            <a:pPr marL="0" indent="0">
+              <a:buNone/>
+            </a:pPr>
+            <a:r>
+              <a:rPr lang="en-US" b="1" dirty="0">
+                <a:solidFill>
+                  <a:srgbClr val="00B050"/>
+                </a:solidFill>
+              </a:rPr>
+              <a:t>Issue: </a:t>
+            </a:r>
+            <a:r>
+              <a:rPr lang="en-US" dirty="0">
+                <a:solidFill>
+                  <a:srgbClr val="002060"/>
+                </a:solidFill>
+              </a:rPr>
+              <a:t>Inconsistent formats or unstandardized categories can lead to false correlations.</a:t>
+            </a:r>
+          </a:p>
+          <a:p>
+            <a:pPr marL="0" indent="0">
+              <a:buNone/>
+            </a:pPr>
+            <a:r>
+              <a:rPr lang="en-US" b="1" dirty="0">
+                <a:solidFill>
+                  <a:srgbClr val="00B050"/>
+                </a:solidFill>
+              </a:rPr>
+              <a:t>Impact: </a:t>
+            </a:r>
+            <a:r>
+              <a:rPr lang="en-US" dirty="0">
+                <a:solidFill>
+                  <a:srgbClr val="002060"/>
+                </a:solidFill>
+              </a:rPr>
+              <a:t>Analysts may draw incorrect conclusions or miss key patterns.</a:t>
+            </a:r>
+          </a:p>
+          <a:p>
+            <a:pPr marL="0" indent="0">
+              <a:buNone/>
+            </a:pPr>
+            <a:r>
+              <a:rPr lang="en-US" b="1" dirty="0">
+                <a:solidFill>
+                  <a:srgbClr val="00B050"/>
+                </a:solidFill>
+              </a:rPr>
+              <a:t>Example: </a:t>
+            </a:r>
+            <a:r>
+              <a:rPr lang="en-US" dirty="0">
+                <a:solidFill>
+                  <a:srgbClr val="002060"/>
+                </a:solidFill>
+              </a:rPr>
+              <a:t>“North” vs. “north” vs. “N” in a region column can fragment group analysis</a:t>
+            </a:r>
+            <a:endParaRPr lang="en-IN" dirty="0">
+              <a:solidFill>
+                <a:srgbClr val="002060"/>
+              </a:solidFill>
+            </a:endParaRPr>
+          </a:p>
+        </p:txBody>
+      </p:sp>
+    </p:spTree>
+    <p:extLst>
+      <p:ext uri="{BB962C8B-B14F-4D97-AF65-F5344CB8AC3E}">
+        <p14:creationId xmlns:p14="http://schemas.microsoft.com/office/powerpoint/2010/main" val="352409927"/>
+      </p:ext>
+    </p:extLst>
+  </p:cSld>
+  <p:clrMapOvr>
+    <a:masterClrMapping/>
+  </p:clrMapOvr>
+</p:sld>
+</file>
+
+<file path=ppt/slides/slide13.xml><?xml version="1.0" encoding="utf-8"?>
+<p:sld xmlns:a="http://schemas.openxmlformats.org/drawingml/2006/main" xmlns:r="http://schemas.openxmlformats.org/officeDocument/2006/relationships" xmlns:p="http://schemas.openxmlformats.org/presentationml/2006/main">
+  <p:cSld>
+    <p:spTree>
+      <p:nvGrpSpPr>
+        <p:cNvPr id="1" name="">
+          <a:extLst>
+            <a:ext uri="{FF2B5EF4-FFF2-40B4-BE49-F238E27FC236}">
+              <a16:creationId xmlns:a16="http://schemas.microsoft.com/office/drawing/2014/main" id="{E73EB07F-6831-2886-096B-8C5A7EDAE2C4}"/>
+            </a:ext>
+          </a:extLst>
+        </p:cNvPr>
+        <p:cNvGrpSpPr/>
+        <p:nvPr/>
+      </p:nvGrpSpPr>
+      <p:grpSpPr>
+        <a:xfrm>
+          <a:off x="0" y="0"/>
+          <a:ext cx="0" cy="0"/>
+          <a:chOff x="0" y="0"/>
+          <a:chExt cx="0" cy="0"/>
+        </a:xfrm>
+      </p:grpSpPr>
+      <p:pic>
+        <p:nvPicPr>
+          <p:cNvPr id="9" name="Picture 8">
+            <a:extLst>
+              <a:ext uri="{FF2B5EF4-FFF2-40B4-BE49-F238E27FC236}">
+                <a16:creationId xmlns:a16="http://schemas.microsoft.com/office/drawing/2014/main" id="{518146B9-5F6B-AB4A-4184-FF4AE41AB159}"/>
+              </a:ext>
+            </a:extLst>
+          </p:cNvPr>
+          <p:cNvPicPr>
+            <a:picLocks noChangeAspect="1"/>
+          </p:cNvPicPr>
+          <p:nvPr/>
+        </p:nvPicPr>
+        <p:blipFill>
+          <a:blip r:embed="rId2">
+            <a:extLst>
+              <a:ext uri="{28A0092B-C50C-407E-A947-70E740481C1C}">
+                <a14:useLocalDpi xmlns:a14="http://schemas.microsoft.com/office/drawing/2010/main" val="0"/>
+              </a:ext>
+            </a:extLst>
+          </a:blip>
+          <a:stretch>
+            <a:fillRect/>
+          </a:stretch>
+        </p:blipFill>
+        <p:spPr>
+          <a:xfrm>
+            <a:off x="0" y="4707"/>
+            <a:ext cx="12192000" cy="6853293"/>
+          </a:xfrm>
+          <a:prstGeom prst="rect">
+            <a:avLst/>
+          </a:prstGeom>
+        </p:spPr>
+      </p:pic>
+      <p:sp>
+        <p:nvSpPr>
+          <p:cNvPr id="12" name="Title 11">
+            <a:extLst>
+              <a:ext uri="{FF2B5EF4-FFF2-40B4-BE49-F238E27FC236}">
+                <a16:creationId xmlns:a16="http://schemas.microsoft.com/office/drawing/2014/main" id="{248D4FD8-EA47-D8F7-7924-006FD5E8B7B3}"/>
+              </a:ext>
+            </a:extLst>
+          </p:cNvPr>
+          <p:cNvSpPr>
+            <a:spLocks noGrp="1"/>
+          </p:cNvSpPr>
+          <p:nvPr>
+            <p:ph type="title"/>
+          </p:nvPr>
+        </p:nvSpPr>
+        <p:spPr>
+          <a:xfrm>
+            <a:off x="838200" y="966866"/>
+            <a:ext cx="10515600" cy="723822"/>
+          </a:xfrm>
+        </p:spPr>
+        <p:txBody>
+          <a:bodyPr>
+            <a:normAutofit fontScale="90000"/>
+          </a:bodyPr>
+          <a:lstStyle/>
+          <a:p>
+            <a:br>
+              <a:rPr lang="en-US" b="1" dirty="0">
+                <a:solidFill>
+                  <a:srgbClr val="C00000"/>
+                </a:solidFill>
+              </a:rPr>
+            </a:br>
+            <a:br>
+              <a:rPr lang="en-US" b="1" dirty="0">
+                <a:solidFill>
+                  <a:srgbClr val="C00000"/>
+                </a:solidFill>
+              </a:rPr>
+            </a:br>
+            <a:r>
+              <a:rPr lang="en-US" b="1" dirty="0">
+                <a:solidFill>
+                  <a:srgbClr val="C00000"/>
+                </a:solidFill>
+              </a:rPr>
+              <a:t>Impact of Unprocessed Data on Analytical Operations</a:t>
+            </a:r>
+          </a:p>
+        </p:txBody>
+      </p:sp>
+      <p:sp>
+        <p:nvSpPr>
+          <p:cNvPr id="2" name="Content Placeholder 1">
+            <a:extLst>
+              <a:ext uri="{FF2B5EF4-FFF2-40B4-BE49-F238E27FC236}">
+                <a16:creationId xmlns:a16="http://schemas.microsoft.com/office/drawing/2014/main" id="{314F179B-AD05-8AF3-D33E-1298CD016F25}"/>
+              </a:ext>
+            </a:extLst>
+          </p:cNvPr>
+          <p:cNvSpPr>
+            <a:spLocks noGrp="1"/>
+          </p:cNvSpPr>
+          <p:nvPr>
+            <p:ph idx="1"/>
+          </p:nvPr>
+        </p:nvSpPr>
+        <p:spPr>
+          <a:xfrm>
+            <a:off x="838200" y="2443397"/>
+            <a:ext cx="10515600" cy="3447737"/>
+          </a:xfrm>
+        </p:spPr>
+        <p:txBody>
+          <a:bodyPr/>
+          <a:lstStyle/>
+          <a:p>
+            <a:pPr marL="0" indent="0">
+              <a:buNone/>
+            </a:pPr>
+            <a:r>
+              <a:rPr lang="en-US" b="1" dirty="0">
+                <a:solidFill>
+                  <a:srgbClr val="FF0000"/>
+                </a:solidFill>
+              </a:rPr>
+              <a:t>Compliance and Security Risks</a:t>
+            </a:r>
+          </a:p>
+          <a:p>
+            <a:pPr marL="0" indent="0">
+              <a:buNone/>
+            </a:pPr>
+            <a:r>
+              <a:rPr lang="en-US" b="1" dirty="0">
+                <a:solidFill>
+                  <a:srgbClr val="00B050"/>
+                </a:solidFill>
+              </a:rPr>
+              <a:t>Issue: </a:t>
+            </a:r>
+            <a:r>
+              <a:rPr lang="en-US" dirty="0">
+                <a:solidFill>
+                  <a:srgbClr val="002060"/>
+                </a:solidFill>
+              </a:rPr>
+              <a:t>Raw data may contain sensitive or personally identifiable information (PII).</a:t>
+            </a:r>
+          </a:p>
+          <a:p>
+            <a:pPr marL="0" indent="0">
+              <a:buNone/>
+            </a:pPr>
+            <a:r>
+              <a:rPr lang="en-US" b="1" dirty="0">
+                <a:solidFill>
+                  <a:srgbClr val="00B050"/>
+                </a:solidFill>
+              </a:rPr>
+              <a:t>Impact: </a:t>
+            </a:r>
+            <a:r>
+              <a:rPr lang="en-US" dirty="0">
+                <a:solidFill>
+                  <a:srgbClr val="002060"/>
+                </a:solidFill>
+              </a:rPr>
+              <a:t>Violates data protection regulations like GDPR or HIPAA.</a:t>
+            </a:r>
+          </a:p>
+          <a:p>
+            <a:pPr marL="0" indent="0">
+              <a:buNone/>
+            </a:pPr>
+            <a:r>
+              <a:rPr lang="en-US" b="1" dirty="0">
+                <a:solidFill>
+                  <a:srgbClr val="00B050"/>
+                </a:solidFill>
+              </a:rPr>
+              <a:t>Example: </a:t>
+            </a:r>
+            <a:r>
+              <a:rPr lang="en-US" dirty="0">
+                <a:solidFill>
+                  <a:srgbClr val="002060"/>
+                </a:solidFill>
+              </a:rPr>
+              <a:t>Unmasked email addresses or birthdates in logs can trigger legal penalties.</a:t>
+            </a:r>
+            <a:endParaRPr lang="en-IN" dirty="0">
+              <a:solidFill>
+                <a:srgbClr val="002060"/>
+              </a:solidFill>
+            </a:endParaRPr>
+          </a:p>
+        </p:txBody>
+      </p:sp>
+    </p:spTree>
+    <p:extLst>
+      <p:ext uri="{BB962C8B-B14F-4D97-AF65-F5344CB8AC3E}">
+        <p14:creationId xmlns:p14="http://schemas.microsoft.com/office/powerpoint/2010/main" val="371498654"/>
+      </p:ext>
+    </p:extLst>
+  </p:cSld>
+  <p:clrMapOvr>
+    <a:masterClrMapping/>
+  </p:clrMapOvr>
+</p:sld>
+</file>
+
+<file path=ppt/slides/slide14.xml><?xml version="1.0" encoding="utf-8"?>
+<p:sld xmlns:a="http://schemas.openxmlformats.org/drawingml/2006/main" xmlns:r="http://schemas.openxmlformats.org/officeDocument/2006/relationships" xmlns:p="http://schemas.openxmlformats.org/presentationml/2006/main">
+  <p:cSld>
+    <p:spTree>
+      <p:nvGrpSpPr>
+        <p:cNvPr id="1" name="">
+          <a:extLst>
+            <a:ext uri="{FF2B5EF4-FFF2-40B4-BE49-F238E27FC236}">
+              <a16:creationId xmlns:a16="http://schemas.microsoft.com/office/drawing/2014/main" id="{2B8C39FE-4841-12C5-AC9D-1F7983BB7765}"/>
+            </a:ext>
+          </a:extLst>
+        </p:cNvPr>
+        <p:cNvGrpSpPr/>
+        <p:nvPr/>
+      </p:nvGrpSpPr>
+      <p:grpSpPr>
+        <a:xfrm>
+          <a:off x="0" y="0"/>
+          <a:ext cx="0" cy="0"/>
+          <a:chOff x="0" y="0"/>
+          <a:chExt cx="0" cy="0"/>
+        </a:xfrm>
+      </p:grpSpPr>
+      <p:pic>
+        <p:nvPicPr>
+          <p:cNvPr id="9" name="Picture 8">
+            <a:extLst>
+              <a:ext uri="{FF2B5EF4-FFF2-40B4-BE49-F238E27FC236}">
+                <a16:creationId xmlns:a16="http://schemas.microsoft.com/office/drawing/2014/main" id="{D54D5BCE-51A0-094A-EDA3-17D6FAFBBE3C}"/>
+              </a:ext>
+            </a:extLst>
+          </p:cNvPr>
+          <p:cNvPicPr>
+            <a:picLocks noChangeAspect="1"/>
+          </p:cNvPicPr>
+          <p:nvPr/>
+        </p:nvPicPr>
+        <p:blipFill>
+          <a:blip r:embed="rId2">
+            <a:extLst>
+              <a:ext uri="{28A0092B-C50C-407E-A947-70E740481C1C}">
+                <a14:useLocalDpi xmlns:a14="http://schemas.microsoft.com/office/drawing/2010/main" val="0"/>
+              </a:ext>
+            </a:extLst>
+          </a:blip>
+          <a:stretch>
+            <a:fillRect/>
+          </a:stretch>
+        </p:blipFill>
+        <p:spPr>
+          <a:xfrm>
+            <a:off x="0" y="4707"/>
+            <a:ext cx="12192000" cy="6853293"/>
+          </a:xfrm>
+          <a:prstGeom prst="rect">
+            <a:avLst/>
+          </a:prstGeom>
+        </p:spPr>
+      </p:pic>
+      <p:sp>
+        <p:nvSpPr>
+          <p:cNvPr id="12" name="Title 11">
+            <a:extLst>
+              <a:ext uri="{FF2B5EF4-FFF2-40B4-BE49-F238E27FC236}">
+                <a16:creationId xmlns:a16="http://schemas.microsoft.com/office/drawing/2014/main" id="{90D8F95D-38B4-17CB-974F-5032AA899DF3}"/>
+              </a:ext>
+            </a:extLst>
+          </p:cNvPr>
+          <p:cNvSpPr>
+            <a:spLocks noGrp="1"/>
+          </p:cNvSpPr>
+          <p:nvPr>
+            <p:ph type="title"/>
+          </p:nvPr>
+        </p:nvSpPr>
+        <p:spPr>
+          <a:xfrm>
+            <a:off x="838200" y="966866"/>
+            <a:ext cx="10515600" cy="723822"/>
+          </a:xfrm>
+        </p:spPr>
+        <p:txBody>
+          <a:bodyPr>
+            <a:normAutofit fontScale="90000"/>
+          </a:bodyPr>
+          <a:lstStyle/>
+          <a:p>
+            <a:br>
+              <a:rPr lang="en-US" b="1" dirty="0">
+                <a:solidFill>
+                  <a:srgbClr val="C00000"/>
+                </a:solidFill>
+              </a:rPr>
+            </a:br>
+            <a:br>
+              <a:rPr lang="en-US" b="1" dirty="0">
+                <a:solidFill>
+                  <a:srgbClr val="C00000"/>
+                </a:solidFill>
+              </a:rPr>
+            </a:br>
+            <a:r>
+              <a:rPr lang="en-US" b="1" dirty="0">
+                <a:solidFill>
+                  <a:srgbClr val="C00000"/>
+                </a:solidFill>
+              </a:rPr>
+              <a:t>Impact of Unprocessed Data on Analytical Operations</a:t>
+            </a:r>
+          </a:p>
+        </p:txBody>
+      </p:sp>
+      <p:sp>
+        <p:nvSpPr>
+          <p:cNvPr id="2" name="Content Placeholder 1">
+            <a:extLst>
+              <a:ext uri="{FF2B5EF4-FFF2-40B4-BE49-F238E27FC236}">
+                <a16:creationId xmlns:a16="http://schemas.microsoft.com/office/drawing/2014/main" id="{C9809641-F180-01FE-C6A1-B26C76F04124}"/>
+              </a:ext>
+            </a:extLst>
+          </p:cNvPr>
+          <p:cNvSpPr>
+            <a:spLocks noGrp="1"/>
+          </p:cNvSpPr>
+          <p:nvPr>
+            <p:ph idx="1"/>
+          </p:nvPr>
+        </p:nvSpPr>
+        <p:spPr>
+          <a:xfrm>
+            <a:off x="838200" y="2443397"/>
+            <a:ext cx="10515600" cy="3447737"/>
+          </a:xfrm>
+        </p:spPr>
+        <p:txBody>
+          <a:bodyPr/>
+          <a:lstStyle/>
+          <a:p>
+            <a:pPr marL="0" indent="0">
+              <a:buNone/>
+            </a:pPr>
+            <a:r>
+              <a:rPr lang="en-US" b="1" dirty="0">
+                <a:solidFill>
+                  <a:srgbClr val="FF0000"/>
+                </a:solidFill>
+              </a:rPr>
+              <a:t>Limited Automation and Scalability</a:t>
+            </a:r>
+          </a:p>
+          <a:p>
+            <a:pPr marL="0" indent="0">
+              <a:buNone/>
+            </a:pPr>
+            <a:r>
+              <a:rPr lang="en-US" b="1" dirty="0">
+                <a:solidFill>
+                  <a:srgbClr val="00B050"/>
+                </a:solidFill>
+              </a:rPr>
+              <a:t>Issue: </a:t>
+            </a:r>
+            <a:r>
+              <a:rPr lang="en-US" dirty="0">
+                <a:solidFill>
+                  <a:srgbClr val="002060"/>
+                </a:solidFill>
+              </a:rPr>
+              <a:t>Unstructured or inconsistent data resists automation.</a:t>
+            </a:r>
+          </a:p>
+          <a:p>
+            <a:pPr marL="0" indent="0">
+              <a:buNone/>
+            </a:pPr>
+            <a:r>
+              <a:rPr lang="en-US" b="1" dirty="0">
+                <a:solidFill>
+                  <a:srgbClr val="00B050"/>
+                </a:solidFill>
+              </a:rPr>
+              <a:t>Impact: </a:t>
+            </a:r>
+            <a:r>
+              <a:rPr lang="en-US" dirty="0">
+                <a:solidFill>
+                  <a:srgbClr val="002060"/>
+                </a:solidFill>
+              </a:rPr>
+              <a:t>Manual intervention is needed, reducing scalability and increasing operational costs.</a:t>
+            </a:r>
+          </a:p>
+          <a:p>
+            <a:pPr marL="0" indent="0">
+              <a:buNone/>
+            </a:pPr>
+            <a:r>
+              <a:rPr lang="en-US" b="1" dirty="0">
+                <a:solidFill>
+                  <a:srgbClr val="00B050"/>
+                </a:solidFill>
+              </a:rPr>
+              <a:t>Example: </a:t>
+            </a:r>
+            <a:r>
+              <a:rPr lang="en-US" dirty="0">
+                <a:solidFill>
+                  <a:srgbClr val="002060"/>
+                </a:solidFill>
+              </a:rPr>
+              <a:t>ETL pipelines may fail if schema mismatches or null values aren’t handled.</a:t>
+            </a:r>
+            <a:endParaRPr lang="en-IN" dirty="0">
+              <a:solidFill>
+                <a:srgbClr val="002060"/>
+              </a:solidFill>
+            </a:endParaRPr>
+          </a:p>
+        </p:txBody>
+      </p:sp>
+    </p:spTree>
+    <p:extLst>
+      <p:ext uri="{BB962C8B-B14F-4D97-AF65-F5344CB8AC3E}">
+        <p14:creationId xmlns:p14="http://schemas.microsoft.com/office/powerpoint/2010/main" val="2413114476"/>
+      </p:ext>
+    </p:extLst>
+  </p:cSld>
+  <p:clrMapOvr>
+    <a:masterClrMapping/>
+  </p:clrMapOvr>
+</p:sld>
+</file>
+
+<file path=ppt/slides/slide15.xml><?xml version="1.0" encoding="utf-8"?>
 <p:sld xmlns:a="http://schemas.openxmlformats.org/drawingml/2006/main" xmlns:r="http://schemas.openxmlformats.org/officeDocument/2006/relationships" xmlns:p="http://schemas.openxmlformats.org/presentationml/2006/main">
   <p:cSld>
     <p:spTree>
@@ -4232,18 +5655,13 @@
           <a:lstStyle/>
           <a:p>
             <a:r>
-              <a:rPr lang="en-US" sz="6000" b="1" dirty="0">
-                <a:solidFill>
-                  <a:srgbClr val="FF0000"/>
-                </a:solidFill>
-              </a:rPr>
-              <a:t>Careers in AI &amp; Big Data Analytics</a:t>
-            </a:r>
-            <a:endParaRPr lang="en-IN" sz="6000" b="1" dirty="0">
-              <a:solidFill>
-                <a:srgbClr val="FF0000"/>
-              </a:solidFill>
-            </a:endParaRPr>
+              <a:rPr lang="en-IN" sz="6000" b="1" dirty="0">
+                <a:solidFill>
+                  <a:srgbClr val="C00000"/>
+                </a:solidFill>
+              </a:rPr>
+              <a:t>Pre-processing Data</a:t>
+            </a:r>
           </a:p>
         </p:txBody>
       </p:sp>
@@ -4338,76 +5756,298 @@
         <p:spPr>
           <a:xfrm>
             <a:off x="838200" y="1058779"/>
-            <a:ext cx="10515600" cy="1411703"/>
+            <a:ext cx="10515600" cy="725051"/>
           </a:xfrm>
         </p:spPr>
         <p:txBody>
-          <a:bodyPr/>
+          <a:bodyPr>
+            <a:normAutofit fontScale="90000"/>
+          </a:bodyPr>
           <a:lstStyle/>
           <a:p>
             <a:r>
               <a:rPr lang="en-US" b="1" dirty="0">
                 <a:solidFill>
-                  <a:srgbClr val="FF0000"/>
-                </a:solidFill>
-              </a:rPr>
-              <a:t>Agenda</a:t>
-            </a:r>
-            <a:endParaRPr lang="en-IN" b="1" dirty="0">
-              <a:solidFill>
-                <a:srgbClr val="FF0000"/>
-              </a:solidFill>
-            </a:endParaRPr>
-          </a:p>
-        </p:txBody>
-      </p:sp>
-      <p:sp>
-        <p:nvSpPr>
-          <p:cNvPr id="13" name="Content Placeholder 12">
-            <a:extLst>
-              <a:ext uri="{FF2B5EF4-FFF2-40B4-BE49-F238E27FC236}">
-                <a16:creationId xmlns:a16="http://schemas.microsoft.com/office/drawing/2014/main" id="{459108AF-66D9-CD3C-DDCE-0CFFD70B496D}"/>
-              </a:ext>
-            </a:extLst>
-          </p:cNvPr>
-          <p:cNvSpPr>
-            <a:spLocks noGrp="1"/>
-          </p:cNvSpPr>
+                  <a:srgbClr val="C00000"/>
+                </a:solidFill>
+              </a:rPr>
+              <a:t>Unprocessed vs. Processed Data: Key Differences</a:t>
+            </a:r>
+          </a:p>
+        </p:txBody>
+      </p:sp>
+      <p:graphicFrame>
+        <p:nvGraphicFramePr>
+          <p:cNvPr id="2" name="Content Placeholder 1">
+            <a:extLst>
+              <a:ext uri="{FF2B5EF4-FFF2-40B4-BE49-F238E27FC236}">
+                <a16:creationId xmlns:a16="http://schemas.microsoft.com/office/drawing/2014/main" id="{483F83E0-D8CD-829D-337A-D854E098485C}"/>
+              </a:ext>
+            </a:extLst>
+          </p:cNvPr>
+          <p:cNvGraphicFramePr>
+            <a:graphicFrameLocks noGrp="1"/>
+          </p:cNvGraphicFramePr>
           <p:nvPr>
             <p:ph idx="1"/>
-          </p:nvPr>
-        </p:nvSpPr>
-        <p:spPr>
-          <a:xfrm>
-            <a:off x="838200" y="2229853"/>
-            <a:ext cx="10515600" cy="3947109"/>
-          </a:xfrm>
-        </p:spPr>
-        <p:txBody>
-          <a:bodyPr/>
-          <a:lstStyle/>
-          <a:p>
-            <a:r>
-              <a:rPr lang="en-US" dirty="0"/>
-              <a:t>Career map for roles in AI &amp; Big Data Analytics</a:t>
-            </a:r>
-          </a:p>
-          <a:p>
-            <a:r>
-              <a:rPr lang="en-US" dirty="0"/>
-              <a:t>Differences Supervised Learning, Unsupervised Learning and Deep Learning</a:t>
-            </a:r>
-            <a:r>
-              <a:rPr lang="en-IN" dirty="0">
-                <a:solidFill>
-                  <a:srgbClr val="002060"/>
-                </a:solidFill>
-              </a:rPr>
-              <a:t>“</a:t>
-            </a:r>
-          </a:p>
-        </p:txBody>
-      </p:sp>
+            <p:extLst>
+              <p:ext uri="{D42A27DB-BD31-4B8C-83A1-F6EECF244321}">
+                <p14:modId xmlns:p14="http://schemas.microsoft.com/office/powerpoint/2010/main" val="3228108541"/>
+              </p:ext>
+            </p:extLst>
+          </p:nvPr>
+        </p:nvGraphicFramePr>
+        <p:xfrm>
+          <a:off x="989351" y="1825625"/>
+          <a:ext cx="9833547" cy="2286000"/>
+        </p:xfrm>
+        <a:graphic>
+          <a:graphicData uri="http://schemas.openxmlformats.org/drawingml/2006/table">
+            <a:tbl>
+              <a:tblPr firstRow="1" bandRow="1">
+                <a:tableStyleId>{793D81CF-94F2-401A-BA57-92F5A7B2D0C5}</a:tableStyleId>
+              </a:tblPr>
+              <a:tblGrid>
+                <a:gridCol w="1380711">
+                  <a:extLst>
+                    <a:ext uri="{9D8B030D-6E8A-4147-A177-3AD203B41FA5}">
+                      <a16:colId xmlns:a16="http://schemas.microsoft.com/office/drawing/2014/main" val="3390655529"/>
+                    </a:ext>
+                  </a:extLst>
+                </a:gridCol>
+                <a:gridCol w="4226418">
+                  <a:extLst>
+                    <a:ext uri="{9D8B030D-6E8A-4147-A177-3AD203B41FA5}">
+                      <a16:colId xmlns:a16="http://schemas.microsoft.com/office/drawing/2014/main" val="433092900"/>
+                    </a:ext>
+                  </a:extLst>
+                </a:gridCol>
+                <a:gridCol w="4226418">
+                  <a:extLst>
+                    <a:ext uri="{9D8B030D-6E8A-4147-A177-3AD203B41FA5}">
+                      <a16:colId xmlns:a16="http://schemas.microsoft.com/office/drawing/2014/main" val="2202034208"/>
+                    </a:ext>
+                  </a:extLst>
+                </a:gridCol>
+              </a:tblGrid>
+              <a:tr h="275166">
+                <a:tc>
+                  <a:txBody>
+                    <a:bodyPr/>
+                    <a:lstStyle/>
+                    <a:p>
+                      <a:r>
+                        <a:rPr lang="en-IN" dirty="0"/>
+                        <a:t>Feature</a:t>
+                      </a:r>
+                    </a:p>
+                  </a:txBody>
+                  <a:tcPr/>
+                </a:tc>
+                <a:tc>
+                  <a:txBody>
+                    <a:bodyPr/>
+                    <a:lstStyle/>
+                    <a:p>
+                      <a:r>
+                        <a:rPr lang="en-IN" dirty="0"/>
+                        <a:t>Un Processed Data</a:t>
+                      </a:r>
+                    </a:p>
+                  </a:txBody>
+                  <a:tcPr/>
+                </a:tc>
+                <a:tc>
+                  <a:txBody>
+                    <a:bodyPr/>
+                    <a:lstStyle/>
+                    <a:p>
+                      <a:r>
+                        <a:rPr lang="en-IN" dirty="0"/>
+                        <a:t>Processed Data</a:t>
+                      </a:r>
+                    </a:p>
+                  </a:txBody>
+                  <a:tcPr/>
+                </a:tc>
+                <a:extLst>
+                  <a:ext uri="{0D108BD9-81ED-4DB2-BD59-A6C34878D82A}">
+                    <a16:rowId xmlns:a16="http://schemas.microsoft.com/office/drawing/2014/main" val="4281258791"/>
+                  </a:ext>
+                </a:extLst>
+              </a:tr>
+              <a:tr h="474944">
+                <a:tc>
+                  <a:txBody>
+                    <a:bodyPr/>
+                    <a:lstStyle/>
+                    <a:p>
+                      <a:pPr>
+                        <a:buNone/>
+                      </a:pPr>
+                      <a:r>
+                        <a:rPr lang="en-IN" b="1"/>
+                        <a:t>Definition</a:t>
+                      </a:r>
+                      <a:endParaRPr lang="en-IN"/>
+                    </a:p>
+                  </a:txBody>
+                  <a:tcPr anchor="ctr"/>
+                </a:tc>
+                <a:tc>
+                  <a:txBody>
+                    <a:bodyPr/>
+                    <a:lstStyle/>
+                    <a:p>
+                      <a:pPr>
+                        <a:buNone/>
+                      </a:pPr>
+                      <a:r>
+                        <a:rPr lang="en-US"/>
+                        <a:t>Raw data collected from sources</a:t>
+                      </a:r>
+                    </a:p>
+                  </a:txBody>
+                  <a:tcPr anchor="ctr"/>
+                </a:tc>
+                <a:tc>
+                  <a:txBody>
+                    <a:bodyPr/>
+                    <a:lstStyle/>
+                    <a:p>
+                      <a:pPr>
+                        <a:buNone/>
+                      </a:pPr>
+                      <a:r>
+                        <a:rPr lang="en-US" dirty="0"/>
+                        <a:t>Data that has been cleaned, transformed, or enriched</a:t>
+                      </a:r>
+                    </a:p>
+                  </a:txBody>
+                  <a:tcPr anchor="ctr"/>
+                </a:tc>
+                <a:extLst>
+                  <a:ext uri="{0D108BD9-81ED-4DB2-BD59-A6C34878D82A}">
+                    <a16:rowId xmlns:a16="http://schemas.microsoft.com/office/drawing/2014/main" val="1772488444"/>
+                  </a:ext>
+                </a:extLst>
+              </a:tr>
+              <a:tr h="474944">
+                <a:tc>
+                  <a:txBody>
+                    <a:bodyPr/>
+                    <a:lstStyle/>
+                    <a:p>
+                      <a:pPr>
+                        <a:buNone/>
+                      </a:pPr>
+                      <a:r>
+                        <a:rPr lang="en-IN" b="1"/>
+                        <a:t>Format</a:t>
+                      </a:r>
+                      <a:endParaRPr lang="en-IN"/>
+                    </a:p>
+                  </a:txBody>
+                  <a:tcPr anchor="ctr"/>
+                </a:tc>
+                <a:tc>
+                  <a:txBody>
+                    <a:bodyPr/>
+                    <a:lstStyle/>
+                    <a:p>
+                      <a:pPr>
+                        <a:buNone/>
+                      </a:pPr>
+                      <a:r>
+                        <a:rPr lang="en-US" dirty="0"/>
+                        <a:t>Often inconsistent, messy, or unstructured</a:t>
+                      </a:r>
+                    </a:p>
+                  </a:txBody>
+                  <a:tcPr anchor="ctr"/>
+                </a:tc>
+                <a:tc>
+                  <a:txBody>
+                    <a:bodyPr/>
+                    <a:lstStyle/>
+                    <a:p>
+                      <a:pPr>
+                        <a:buNone/>
+                      </a:pPr>
+                      <a:r>
+                        <a:rPr lang="en-IN" dirty="0"/>
+                        <a:t>Structured, standardized, and analysis-ready</a:t>
+                      </a:r>
+                    </a:p>
+                  </a:txBody>
+                  <a:tcPr anchor="ctr"/>
+                </a:tc>
+                <a:extLst>
+                  <a:ext uri="{0D108BD9-81ED-4DB2-BD59-A6C34878D82A}">
+                    <a16:rowId xmlns:a16="http://schemas.microsoft.com/office/drawing/2014/main" val="182385806"/>
+                  </a:ext>
+                </a:extLst>
+              </a:tr>
+              <a:tr h="474944">
+                <a:tc>
+                  <a:txBody>
+                    <a:bodyPr/>
+                    <a:lstStyle/>
+                    <a:p>
+                      <a:pPr>
+                        <a:buNone/>
+                      </a:pPr>
+                      <a:r>
+                        <a:rPr lang="en-IN" b="1"/>
+                        <a:t>Examples</a:t>
+                      </a:r>
+                      <a:endParaRPr lang="en-IN"/>
+                    </a:p>
+                  </a:txBody>
+                  <a:tcPr anchor="ctr"/>
+                </a:tc>
+                <a:tc>
+                  <a:txBody>
+                    <a:bodyPr/>
+                    <a:lstStyle/>
+                    <a:p>
+                      <a:pPr>
+                        <a:buNone/>
+                      </a:pPr>
+                      <a:r>
+                        <a:rPr lang="en-IN"/>
+                        <a:t>Logs, sensor outputs, API dumps, CSV uploads</a:t>
+                      </a:r>
+                    </a:p>
+                  </a:txBody>
+                  <a:tcPr anchor="ctr"/>
+                </a:tc>
+                <a:tc>
+                  <a:txBody>
+                    <a:bodyPr/>
+                    <a:lstStyle/>
+                    <a:p>
+                      <a:pPr>
+                        <a:buNone/>
+                      </a:pPr>
+                      <a:r>
+                        <a:rPr lang="en-US" dirty="0"/>
+                        <a:t>Aggregated tables, normalized DBs, feature sets</a:t>
+                      </a:r>
+                    </a:p>
+                  </a:txBody>
+                  <a:tcPr anchor="ctr"/>
+                </a:tc>
+                <a:extLst>
+                  <a:ext uri="{0D108BD9-81ED-4DB2-BD59-A6C34878D82A}">
+                    <a16:rowId xmlns:a16="http://schemas.microsoft.com/office/drawing/2014/main" val="1647654946"/>
+                  </a:ext>
+                </a:extLst>
+              </a:tr>
+            </a:tbl>
+          </a:graphicData>
+        </a:graphic>
+      </p:graphicFrame>
     </p:spTree>
     <p:extLst>
       <p:ext uri="{BB962C8B-B14F-4D97-AF65-F5344CB8AC3E}">
@@ -4429,7 +6069,7 @@
         <p:cNvPr id="1" name="">
           <a:extLst>
             <a:ext uri="{FF2B5EF4-FFF2-40B4-BE49-F238E27FC236}">
-              <a16:creationId xmlns:a16="http://schemas.microsoft.com/office/drawing/2014/main" id="{FB1982F0-5BEB-0DA0-6FD8-FAFF88501EFF}"/>
+              <a16:creationId xmlns:a16="http://schemas.microsoft.com/office/drawing/2014/main" id="{F046A358-398B-9FDD-3DF2-614FE59D6738}"/>
             </a:ext>
           </a:extLst>
         </p:cNvPr>
@@ -4449,7 +6089,7 @@
           <p:cNvPr id="9" name="Picture 8">
             <a:extLst>
               <a:ext uri="{FF2B5EF4-FFF2-40B4-BE49-F238E27FC236}">
-                <a16:creationId xmlns:a16="http://schemas.microsoft.com/office/drawing/2014/main" id="{FA9653A5-7931-8721-C0FF-C3C586F4A8AD}"/>
+                <a16:creationId xmlns:a16="http://schemas.microsoft.com/office/drawing/2014/main" id="{D86FA402-49B0-49FC-2918-7AB4EC4D9D55}"/>
               </a:ext>
             </a:extLst>
           </p:cNvPr>
@@ -4485,7 +6125,7 @@
           <p:cNvPr id="12" name="Title 11">
             <a:extLst>
               <a:ext uri="{FF2B5EF4-FFF2-40B4-BE49-F238E27FC236}">
-                <a16:creationId xmlns:a16="http://schemas.microsoft.com/office/drawing/2014/main" id="{14221AC7-70EF-3E78-7957-84141B5AD992}"/>
+                <a16:creationId xmlns:a16="http://schemas.microsoft.com/office/drawing/2014/main" id="{65FEBF91-1106-8B95-36FF-93EC1F7E9D78}"/>
               </a:ext>
             </a:extLst>
           </p:cNvPr>
@@ -4498,13 +6138,13 @@
         </p:nvSpPr>
         <p:spPr>
           <a:xfrm>
-            <a:off x="838200" y="1090863"/>
-            <a:ext cx="10515600" cy="1171073"/>
+            <a:off x="838200" y="1058779"/>
+            <a:ext cx="10515600" cy="725051"/>
           </a:xfrm>
         </p:spPr>
         <p:txBody>
           <a:bodyPr>
-            <a:normAutofit fontScale="90000"/>
+            <a:normAutofit/>
           </a:bodyPr>
           <a:lstStyle/>
           <a:p>
@@ -4514,98 +6154,79 @@
                   <a:srgbClr val="C00000"/>
                 </a:solidFill>
               </a:rPr>
-              <a:t>Career map for roles in AI &amp; Big Data Analytics</a:t>
-            </a:r>
-            <a:br>
-              <a:rPr lang="en-US" dirty="0">
+              <a:t>Agenda</a:t>
+            </a:r>
+          </a:p>
+        </p:txBody>
+      </p:sp>
+      <p:sp>
+        <p:nvSpPr>
+          <p:cNvPr id="4" name="Content Placeholder 3">
+            <a:extLst>
+              <a:ext uri="{FF2B5EF4-FFF2-40B4-BE49-F238E27FC236}">
+                <a16:creationId xmlns:a16="http://schemas.microsoft.com/office/drawing/2014/main" id="{104AFAE9-42D1-C362-33C1-BCF14A8EF687}"/>
+              </a:ext>
+            </a:extLst>
+          </p:cNvPr>
+          <p:cNvSpPr>
+            <a:spLocks noGrp="1"/>
+          </p:cNvSpPr>
+          <p:nvPr>
+            <p:ph idx="1"/>
+          </p:nvPr>
+        </p:nvSpPr>
+        <p:spPr>
+          <a:xfrm>
+            <a:off x="838200" y="1825625"/>
+            <a:ext cx="10515600" cy="3973596"/>
+          </a:xfrm>
+        </p:spPr>
+        <p:txBody>
+          <a:bodyPr/>
+          <a:lstStyle/>
+          <a:p>
+            <a:r>
+              <a:rPr lang="en-US" b="1" dirty="0">
                 <a:solidFill>
                   <a:srgbClr val="002060"/>
                 </a:solidFill>
               </a:rPr>
-            </a:br>
+              <a:t>Differentiate the unprocessed and processed data</a:t>
+            </a:r>
+          </a:p>
+          <a:p>
+            <a:r>
+              <a:rPr lang="en-US" b="1" dirty="0">
+                <a:solidFill>
+                  <a:srgbClr val="002060"/>
+                </a:solidFill>
+              </a:rPr>
+              <a:t>Explain the impact of unprocessed data on subsequent analytical operations</a:t>
+            </a:r>
+          </a:p>
+          <a:p>
+            <a:r>
+              <a:rPr lang="en-US" b="1" dirty="0">
+                <a:solidFill>
+                  <a:srgbClr val="002060"/>
+                </a:solidFill>
+              </a:rPr>
+              <a:t>Describe the various anomalies that may be found in unprocessed data</a:t>
+            </a:r>
+          </a:p>
+          <a:p>
             <a:endParaRPr lang="en-IN" b="1" dirty="0">
               <a:solidFill>
-                <a:srgbClr val="FF0000"/>
+                <a:srgbClr val="002060"/>
               </a:solidFill>
             </a:endParaRPr>
-          </a:p>
-        </p:txBody>
-      </p:sp>
-      <p:sp>
-        <p:nvSpPr>
-          <p:cNvPr id="4" name="Content Placeholder 3">
-            <a:extLst>
-              <a:ext uri="{FF2B5EF4-FFF2-40B4-BE49-F238E27FC236}">
-                <a16:creationId xmlns:a16="http://schemas.microsoft.com/office/drawing/2014/main" id="{578CAB42-7D2A-6EDC-C435-EECC86B0DFC6}"/>
-              </a:ext>
-            </a:extLst>
-          </p:cNvPr>
-          <p:cNvSpPr>
-            <a:spLocks noGrp="1"/>
-          </p:cNvSpPr>
-          <p:nvPr>
-            <p:ph idx="1"/>
-          </p:nvPr>
-        </p:nvSpPr>
-        <p:spPr>
-          <a:xfrm>
-            <a:off x="838200" y="2261937"/>
-            <a:ext cx="10515600" cy="3915026"/>
-          </a:xfrm>
-        </p:spPr>
-        <p:txBody>
-          <a:bodyPr/>
-          <a:lstStyle/>
-          <a:p>
-            <a:pPr marL="0" indent="0">
-              <a:buNone/>
-            </a:pPr>
-            <a:r>
-              <a:rPr lang="en-IN" b="1" dirty="0">
-                <a:solidFill>
-                  <a:srgbClr val="002060"/>
-                </a:solidFill>
-              </a:rPr>
-              <a:t>Data Analyst</a:t>
-            </a:r>
-          </a:p>
-          <a:p>
-            <a:r>
-              <a:rPr lang="en-IN" b="1" dirty="0"/>
-              <a:t>Responsibilities:</a:t>
-            </a:r>
-            <a:r>
-              <a:rPr lang="en-IN" dirty="0"/>
-              <a:t> Collects, processes, and </a:t>
-            </a:r>
-            <a:r>
-              <a:rPr lang="en-IN" dirty="0" err="1"/>
-              <a:t>analyzes</a:t>
-            </a:r>
-            <a:r>
-              <a:rPr lang="en-IN" dirty="0"/>
-              <a:t> large datasets to reveal trends, patterns, and actionable insights. Prepares reports for stakeholders and builds dashboards to visualize findings.</a:t>
-            </a:r>
-          </a:p>
-          <a:p>
-            <a:r>
-              <a:rPr lang="en-IN" b="1" dirty="0"/>
-              <a:t>Typical Tools:</a:t>
-            </a:r>
-            <a:r>
-              <a:rPr lang="en-IN" dirty="0"/>
-              <a:t> Excel, SQL, Tableau, Power BI, Python.</a:t>
-            </a:r>
-          </a:p>
-          <a:p>
-            <a:endParaRPr lang="en-IN" dirty="0"/>
           </a:p>
         </p:txBody>
       </p:sp>
     </p:spTree>
     <p:extLst>
       <p:ext uri="{BB962C8B-B14F-4D97-AF65-F5344CB8AC3E}">
-        <p14:creationId xmlns:p14="http://schemas.microsoft.com/office/powerpoint/2010/main" val="131540703"/>
+        <p14:creationId xmlns:p14="http://schemas.microsoft.com/office/powerpoint/2010/main" val="3288183773"/>
       </p:ext>
     </p:extLst>
   </p:cSld>
@@ -4623,7 +6244,7 @@
         <p:cNvPr id="1" name="">
           <a:extLst>
             <a:ext uri="{FF2B5EF4-FFF2-40B4-BE49-F238E27FC236}">
-              <a16:creationId xmlns:a16="http://schemas.microsoft.com/office/drawing/2014/main" id="{2FBF0153-C9A9-D46C-01B2-41753D68E45E}"/>
+              <a16:creationId xmlns:a16="http://schemas.microsoft.com/office/drawing/2014/main" id="{06ADDB2C-298B-A5A6-FC0E-243426F991BD}"/>
             </a:ext>
           </a:extLst>
         </p:cNvPr>
@@ -4643,7 +6264,7 @@
           <p:cNvPr id="9" name="Picture 8">
             <a:extLst>
               <a:ext uri="{FF2B5EF4-FFF2-40B4-BE49-F238E27FC236}">
-                <a16:creationId xmlns:a16="http://schemas.microsoft.com/office/drawing/2014/main" id="{C1938744-0A14-7C58-D756-DA7BFA361E6C}"/>
+                <a16:creationId xmlns:a16="http://schemas.microsoft.com/office/drawing/2014/main" id="{59B1A6A9-E163-D68D-A23C-60ECAD07A965}"/>
               </a:ext>
             </a:extLst>
           </p:cNvPr>
@@ -4679,7 +6300,7 @@
           <p:cNvPr id="12" name="Title 11">
             <a:extLst>
               <a:ext uri="{FF2B5EF4-FFF2-40B4-BE49-F238E27FC236}">
-                <a16:creationId xmlns:a16="http://schemas.microsoft.com/office/drawing/2014/main" id="{55EBC230-AA0A-E2EC-4902-663BBB100639}"/>
+                <a16:creationId xmlns:a16="http://schemas.microsoft.com/office/drawing/2014/main" id="{B9397882-C3A9-88AB-BFAC-CAEB12611625}"/>
               </a:ext>
             </a:extLst>
           </p:cNvPr>
@@ -4692,8 +6313,8 @@
         </p:nvSpPr>
         <p:spPr>
           <a:xfrm>
-            <a:off x="838200" y="1090863"/>
-            <a:ext cx="10515600" cy="1171073"/>
+            <a:off x="838200" y="1058779"/>
+            <a:ext cx="10515600" cy="725051"/>
           </a:xfrm>
         </p:spPr>
         <p:txBody>
@@ -4703,103 +6324,451 @@
           <a:lstStyle/>
           <a:p>
             <a:r>
-              <a:rPr lang="en-US" b="1">
+              <a:rPr lang="en-US" b="1" dirty="0">
                 <a:solidFill>
                   <a:srgbClr val="C00000"/>
                 </a:solidFill>
               </a:rPr>
-              <a:t>Career  roles </a:t>
-            </a:r>
-            <a:br>
-              <a:rPr lang="en-US" dirty="0">
-                <a:solidFill>
-                  <a:srgbClr val="002060"/>
-                </a:solidFill>
-              </a:rPr>
-            </a:br>
-            <a:endParaRPr lang="en-IN" b="1" dirty="0">
-              <a:solidFill>
-                <a:srgbClr val="FF0000"/>
-              </a:solidFill>
-            </a:endParaRPr>
-          </a:p>
-        </p:txBody>
-      </p:sp>
-      <p:sp>
-        <p:nvSpPr>
-          <p:cNvPr id="4" name="Content Placeholder 3">
-            <a:extLst>
-              <a:ext uri="{FF2B5EF4-FFF2-40B4-BE49-F238E27FC236}">
-                <a16:creationId xmlns:a16="http://schemas.microsoft.com/office/drawing/2014/main" id="{39735FD5-EFD8-E566-AC4B-84B3BA5FD6A2}"/>
-              </a:ext>
-            </a:extLst>
-          </p:cNvPr>
-          <p:cNvSpPr>
-            <a:spLocks noGrp="1"/>
-          </p:cNvSpPr>
+              <a:t>Unprocessed vs. Processed Data: Key Differences</a:t>
+            </a:r>
+          </a:p>
+        </p:txBody>
+      </p:sp>
+      <p:graphicFrame>
+        <p:nvGraphicFramePr>
+          <p:cNvPr id="2" name="Content Placeholder 1">
+            <a:extLst>
+              <a:ext uri="{FF2B5EF4-FFF2-40B4-BE49-F238E27FC236}">
+                <a16:creationId xmlns:a16="http://schemas.microsoft.com/office/drawing/2014/main" id="{A99FDC14-771C-BD3D-59A1-7F9D45243C74}"/>
+              </a:ext>
+            </a:extLst>
+          </p:cNvPr>
+          <p:cNvGraphicFramePr>
+            <a:graphicFrameLocks noGrp="1"/>
+          </p:cNvGraphicFramePr>
           <p:nvPr>
             <p:ph idx="1"/>
-          </p:nvPr>
-        </p:nvSpPr>
-        <p:spPr>
-          <a:xfrm>
-            <a:off x="838200" y="2261937"/>
-            <a:ext cx="10515600" cy="3915026"/>
-          </a:xfrm>
-        </p:spPr>
-        <p:txBody>
-          <a:bodyPr/>
-          <a:lstStyle/>
-          <a:p>
-            <a:pPr marL="0" indent="0">
-              <a:buNone/>
-            </a:pPr>
-            <a:r>
-              <a:rPr lang="en-IN" b="1" dirty="0">
-                <a:solidFill>
-                  <a:srgbClr val="002060"/>
-                </a:solidFill>
-              </a:rPr>
-              <a:t>Data Analyst</a:t>
-            </a:r>
-          </a:p>
-          <a:p>
-            <a:r>
-              <a:rPr lang="en-IN" b="1" dirty="0"/>
-              <a:t>Responsibilities:</a:t>
-            </a:r>
-            <a:r>
-              <a:rPr lang="en-IN" dirty="0"/>
-              <a:t> Collects, processes, and </a:t>
-            </a:r>
-            <a:r>
-              <a:rPr lang="en-IN" dirty="0" err="1"/>
-              <a:t>analyzes</a:t>
-            </a:r>
-            <a:r>
-              <a:rPr lang="en-IN" dirty="0"/>
-              <a:t> large datasets to reveal trends, patterns, and actionable insights. Prepares reports for stakeholders and builds dashboards to visualize findings.</a:t>
-            </a:r>
-          </a:p>
-          <a:p>
-            <a:r>
-              <a:rPr lang="en-IN" b="1" dirty="0"/>
-              <a:t>Typical Tools:</a:t>
-            </a:r>
-            <a:r>
-              <a:rPr lang="en-IN" dirty="0"/>
-              <a:t> Excel, SQL, Tableau, Power BI, Python.</a:t>
-            </a:r>
-          </a:p>
-          <a:p>
-            <a:endParaRPr lang="en-IN" dirty="0"/>
-          </a:p>
-        </p:txBody>
-      </p:sp>
+            <p:extLst>
+              <p:ext uri="{D42A27DB-BD31-4B8C-83A1-F6EECF244321}">
+                <p14:modId xmlns:p14="http://schemas.microsoft.com/office/powerpoint/2010/main" val="3281883535"/>
+              </p:ext>
+            </p:extLst>
+          </p:nvPr>
+        </p:nvGraphicFramePr>
+        <p:xfrm>
+          <a:off x="989351" y="1825625"/>
+          <a:ext cx="9833547" cy="3657600"/>
+        </p:xfrm>
+        <a:graphic>
+          <a:graphicData uri="http://schemas.openxmlformats.org/drawingml/2006/table">
+            <a:tbl>
+              <a:tblPr firstRow="1" bandRow="1">
+                <a:tableStyleId>{793D81CF-94F2-401A-BA57-92F5A7B2D0C5}</a:tableStyleId>
+              </a:tblPr>
+              <a:tblGrid>
+                <a:gridCol w="1380711">
+                  <a:extLst>
+                    <a:ext uri="{9D8B030D-6E8A-4147-A177-3AD203B41FA5}">
+                      <a16:colId xmlns:a16="http://schemas.microsoft.com/office/drawing/2014/main" val="3390655529"/>
+                    </a:ext>
+                  </a:extLst>
+                </a:gridCol>
+                <a:gridCol w="4226418">
+                  <a:extLst>
+                    <a:ext uri="{9D8B030D-6E8A-4147-A177-3AD203B41FA5}">
+                      <a16:colId xmlns:a16="http://schemas.microsoft.com/office/drawing/2014/main" val="433092900"/>
+                    </a:ext>
+                  </a:extLst>
+                </a:gridCol>
+                <a:gridCol w="4226418">
+                  <a:extLst>
+                    <a:ext uri="{9D8B030D-6E8A-4147-A177-3AD203B41FA5}">
+                      <a16:colId xmlns:a16="http://schemas.microsoft.com/office/drawing/2014/main" val="2202034208"/>
+                    </a:ext>
+                  </a:extLst>
+                </a:gridCol>
+              </a:tblGrid>
+              <a:tr h="275166">
+                <a:tc>
+                  <a:txBody>
+                    <a:bodyPr/>
+                    <a:lstStyle/>
+                    <a:p>
+                      <a:r>
+                        <a:rPr lang="en-IN" dirty="0"/>
+                        <a:t>Feature</a:t>
+                      </a:r>
+                    </a:p>
+                  </a:txBody>
+                  <a:tcPr/>
+                </a:tc>
+                <a:tc>
+                  <a:txBody>
+                    <a:bodyPr/>
+                    <a:lstStyle/>
+                    <a:p>
+                      <a:r>
+                        <a:rPr lang="en-IN" dirty="0"/>
+                        <a:t>Un Processed Data</a:t>
+                      </a:r>
+                    </a:p>
+                  </a:txBody>
+                  <a:tcPr/>
+                </a:tc>
+                <a:tc>
+                  <a:txBody>
+                    <a:bodyPr/>
+                    <a:lstStyle/>
+                    <a:p>
+                      <a:r>
+                        <a:rPr lang="en-IN" dirty="0"/>
+                        <a:t>Processed Data</a:t>
+                      </a:r>
+                    </a:p>
+                  </a:txBody>
+                  <a:tcPr/>
+                </a:tc>
+                <a:extLst>
+                  <a:ext uri="{0D108BD9-81ED-4DB2-BD59-A6C34878D82A}">
+                    <a16:rowId xmlns:a16="http://schemas.microsoft.com/office/drawing/2014/main" val="4281258791"/>
+                  </a:ext>
+                </a:extLst>
+              </a:tr>
+              <a:tr h="474944">
+                <a:tc>
+                  <a:txBody>
+                    <a:bodyPr/>
+                    <a:lstStyle/>
+                    <a:p>
+                      <a:pPr>
+                        <a:buNone/>
+                      </a:pPr>
+                      <a:r>
+                        <a:rPr lang="en-IN" b="1"/>
+                        <a:t>Usability</a:t>
+                      </a:r>
+                      <a:endParaRPr lang="en-IN"/>
+                    </a:p>
+                  </a:txBody>
+                  <a:tcPr anchor="ctr"/>
+                </a:tc>
+                <a:tc>
+                  <a:txBody>
+                    <a:bodyPr/>
+                    <a:lstStyle/>
+                    <a:p>
+                      <a:pPr>
+                        <a:buNone/>
+                      </a:pPr>
+                      <a:r>
+                        <a:rPr lang="en-IN" dirty="0"/>
+                        <a:t>Not ready for analysis</a:t>
+                      </a:r>
+                    </a:p>
+                  </a:txBody>
+                  <a:tcPr anchor="ctr"/>
+                </a:tc>
+                <a:tc>
+                  <a:txBody>
+                    <a:bodyPr/>
+                    <a:lstStyle/>
+                    <a:p>
+                      <a:pPr>
+                        <a:buNone/>
+                      </a:pPr>
+                      <a:r>
+                        <a:rPr lang="en-US" dirty="0"/>
+                        <a:t>Ready for querying, modeling, or visualization</a:t>
+                      </a:r>
+                    </a:p>
+                  </a:txBody>
+                  <a:tcPr anchor="ctr"/>
+                </a:tc>
+                <a:extLst>
+                  <a:ext uri="{0D108BD9-81ED-4DB2-BD59-A6C34878D82A}">
+                    <a16:rowId xmlns:a16="http://schemas.microsoft.com/office/drawing/2014/main" val="315476835"/>
+                  </a:ext>
+                </a:extLst>
+              </a:tr>
+              <a:tr h="474944">
+                <a:tc>
+                  <a:txBody>
+                    <a:bodyPr/>
+                    <a:lstStyle/>
+                    <a:p>
+                      <a:pPr>
+                        <a:buNone/>
+                      </a:pPr>
+                      <a:r>
+                        <a:rPr lang="en-IN" b="1"/>
+                        <a:t>Storage Location</a:t>
+                      </a:r>
+                      <a:endParaRPr lang="en-IN"/>
+                    </a:p>
+                  </a:txBody>
+                  <a:tcPr anchor="ctr"/>
+                </a:tc>
+                <a:tc>
+                  <a:txBody>
+                    <a:bodyPr/>
+                    <a:lstStyle/>
+                    <a:p>
+                      <a:pPr>
+                        <a:buNone/>
+                      </a:pPr>
+                      <a:r>
+                        <a:rPr lang="en-US"/>
+                        <a:t>Data lake, raw S3 bucket, staging DB</a:t>
+                      </a:r>
+                    </a:p>
+                  </a:txBody>
+                  <a:tcPr anchor="ctr"/>
+                </a:tc>
+                <a:tc>
+                  <a:txBody>
+                    <a:bodyPr/>
+                    <a:lstStyle/>
+                    <a:p>
+                      <a:pPr>
+                        <a:buNone/>
+                      </a:pPr>
+                      <a:r>
+                        <a:rPr lang="en-US"/>
+                        <a:t>Data warehouse, analytics DB, dashboards</a:t>
+                      </a:r>
+                    </a:p>
+                  </a:txBody>
+                  <a:tcPr anchor="ctr"/>
+                </a:tc>
+                <a:extLst>
+                  <a:ext uri="{0D108BD9-81ED-4DB2-BD59-A6C34878D82A}">
+                    <a16:rowId xmlns:a16="http://schemas.microsoft.com/office/drawing/2014/main" val="23135663"/>
+                  </a:ext>
+                </a:extLst>
+              </a:tr>
+              <a:tr h="474944">
+                <a:tc>
+                  <a:txBody>
+                    <a:bodyPr/>
+                    <a:lstStyle/>
+                    <a:p>
+                      <a:pPr>
+                        <a:buNone/>
+                      </a:pPr>
+                      <a:r>
+                        <a:rPr lang="en-IN" b="1"/>
+                        <a:t>Common Issues</a:t>
+                      </a:r>
+                      <a:endParaRPr lang="en-IN"/>
+                    </a:p>
+                  </a:txBody>
+                  <a:tcPr anchor="ctr"/>
+                </a:tc>
+                <a:tc>
+                  <a:txBody>
+                    <a:bodyPr/>
+                    <a:lstStyle/>
+                    <a:p>
+                      <a:pPr>
+                        <a:buNone/>
+                      </a:pPr>
+                      <a:r>
+                        <a:rPr lang="en-IN" dirty="0"/>
+                        <a:t>Missing values, duplicates, noise</a:t>
+                      </a:r>
+                    </a:p>
+                  </a:txBody>
+                  <a:tcPr anchor="ctr"/>
+                </a:tc>
+                <a:tc>
+                  <a:txBody>
+                    <a:bodyPr/>
+                    <a:lstStyle/>
+                    <a:p>
+                      <a:pPr>
+                        <a:buNone/>
+                      </a:pPr>
+                      <a:r>
+                        <a:rPr lang="en-IN" dirty="0"/>
+                        <a:t>Minimal errors, validated schema</a:t>
+                      </a:r>
+                    </a:p>
+                  </a:txBody>
+                  <a:tcPr anchor="ctr"/>
+                </a:tc>
+                <a:extLst>
+                  <a:ext uri="{0D108BD9-81ED-4DB2-BD59-A6C34878D82A}">
+                    <a16:rowId xmlns:a16="http://schemas.microsoft.com/office/drawing/2014/main" val="150170867"/>
+                  </a:ext>
+                </a:extLst>
+              </a:tr>
+              <a:tr h="474944">
+                <a:tc>
+                  <a:txBody>
+                    <a:bodyPr/>
+                    <a:lstStyle/>
+                    <a:p>
+                      <a:pPr>
+                        <a:buNone/>
+                      </a:pPr>
+                      <a:r>
+                        <a:rPr lang="en-IN" b="1"/>
+                        <a:t>Metadata Availability</a:t>
+                      </a:r>
+                      <a:endParaRPr lang="en-IN"/>
+                    </a:p>
+                  </a:txBody>
+                  <a:tcPr anchor="ctr"/>
+                </a:tc>
+                <a:tc>
+                  <a:txBody>
+                    <a:bodyPr/>
+                    <a:lstStyle/>
+                    <a:p>
+                      <a:pPr>
+                        <a:buNone/>
+                      </a:pPr>
+                      <a:r>
+                        <a:rPr lang="en-IN"/>
+                        <a:t>Sparse or absent</a:t>
+                      </a:r>
+                    </a:p>
+                  </a:txBody>
+                  <a:tcPr anchor="ctr"/>
+                </a:tc>
+                <a:tc>
+                  <a:txBody>
+                    <a:bodyPr/>
+                    <a:lstStyle/>
+                    <a:p>
+                      <a:pPr>
+                        <a:buNone/>
+                      </a:pPr>
+                      <a:r>
+                        <a:rPr lang="en-US" dirty="0"/>
+                        <a:t>Rich metadata with lineage and descriptions</a:t>
+                      </a:r>
+                    </a:p>
+                  </a:txBody>
+                  <a:tcPr anchor="ctr"/>
+                </a:tc>
+                <a:extLst>
+                  <a:ext uri="{0D108BD9-81ED-4DB2-BD59-A6C34878D82A}">
+                    <a16:rowId xmlns:a16="http://schemas.microsoft.com/office/drawing/2014/main" val="3062137445"/>
+                  </a:ext>
+                </a:extLst>
+              </a:tr>
+              <a:tr h="275166">
+                <a:tc>
+                  <a:txBody>
+                    <a:bodyPr/>
+                    <a:lstStyle/>
+                    <a:p>
+                      <a:r>
+                        <a:rPr lang="en-IN" dirty="0"/>
+                        <a:t>Usability</a:t>
+                      </a:r>
+                    </a:p>
+                  </a:txBody>
+                  <a:tcPr/>
+                </a:tc>
+                <a:tc>
+                  <a:txBody>
+                    <a:bodyPr/>
+                    <a:lstStyle/>
+                    <a:p>
+                      <a:pPr>
+                        <a:buNone/>
+                      </a:pPr>
+                      <a:r>
+                        <a:rPr lang="en-IN" b="1"/>
+                        <a:t>Metadata Availability</a:t>
+                      </a:r>
+                      <a:endParaRPr lang="en-IN"/>
+                    </a:p>
+                  </a:txBody>
+                  <a:tcPr anchor="ctr"/>
+                </a:tc>
+                <a:tc>
+                  <a:txBody>
+                    <a:bodyPr/>
+                    <a:lstStyle/>
+                    <a:p>
+                      <a:pPr>
+                        <a:buNone/>
+                      </a:pPr>
+                      <a:r>
+                        <a:rPr lang="en-IN"/>
+                        <a:t>Sparse or absent</a:t>
+                      </a:r>
+                    </a:p>
+                  </a:txBody>
+                  <a:tcPr anchor="ctr"/>
+                </a:tc>
+                <a:extLst>
+                  <a:ext uri="{0D108BD9-81ED-4DB2-BD59-A6C34878D82A}">
+                    <a16:rowId xmlns:a16="http://schemas.microsoft.com/office/drawing/2014/main" val="2024927688"/>
+                  </a:ext>
+                </a:extLst>
+              </a:tr>
+              <a:tr h="275166">
+                <a:tc>
+                  <a:txBody>
+                    <a:bodyPr/>
+                    <a:lstStyle/>
+                    <a:p>
+                      <a:endParaRPr lang="en-IN"/>
+                    </a:p>
+                  </a:txBody>
+                  <a:tcPr/>
+                </a:tc>
+                <a:tc>
+                  <a:txBody>
+                    <a:bodyPr/>
+                    <a:lstStyle/>
+                    <a:p>
+                      <a:pPr>
+                        <a:buNone/>
+                      </a:pPr>
+                      <a:r>
+                        <a:rPr lang="en-IN" b="1"/>
+                        <a:t>Security &amp; Compliance</a:t>
+                      </a:r>
+                      <a:endParaRPr lang="en-IN"/>
+                    </a:p>
+                  </a:txBody>
+                  <a:tcPr anchor="ctr"/>
+                </a:tc>
+                <a:tc>
+                  <a:txBody>
+                    <a:bodyPr/>
+                    <a:lstStyle/>
+                    <a:p>
+                      <a:pPr>
+                        <a:buNone/>
+                      </a:pPr>
+                      <a:r>
+                        <a:rPr lang="en-US" dirty="0"/>
+                        <a:t>May contain sensitive or unfiltered info</a:t>
+                      </a:r>
+                    </a:p>
+                  </a:txBody>
+                  <a:tcPr anchor="ctr"/>
+                </a:tc>
+                <a:extLst>
+                  <a:ext uri="{0D108BD9-81ED-4DB2-BD59-A6C34878D82A}">
+                    <a16:rowId xmlns:a16="http://schemas.microsoft.com/office/drawing/2014/main" val="312494580"/>
+                  </a:ext>
+                </a:extLst>
+              </a:tr>
+            </a:tbl>
+          </a:graphicData>
+        </a:graphic>
+      </p:graphicFrame>
     </p:spTree>
     <p:extLst>
       <p:ext uri="{BB962C8B-B14F-4D97-AF65-F5344CB8AC3E}">
-        <p14:creationId xmlns:p14="http://schemas.microsoft.com/office/powerpoint/2010/main" val="1337943040"/>
+        <p14:creationId xmlns:p14="http://schemas.microsoft.com/office/powerpoint/2010/main" val="1119150921"/>
       </p:ext>
     </p:extLst>
   </p:cSld>
@@ -4817,7 +6786,7 @@
         <p:cNvPr id="1" name="">
           <a:extLst>
             <a:ext uri="{FF2B5EF4-FFF2-40B4-BE49-F238E27FC236}">
-              <a16:creationId xmlns:a16="http://schemas.microsoft.com/office/drawing/2014/main" id="{298C305C-24EE-E6F8-ADA7-B19A4F87414A}"/>
+              <a16:creationId xmlns:a16="http://schemas.microsoft.com/office/drawing/2014/main" id="{CE988C30-3410-C066-B6CD-37D25BD7055E}"/>
             </a:ext>
           </a:extLst>
         </p:cNvPr>
@@ -4837,7 +6806,7 @@
           <p:cNvPr id="9" name="Picture 8">
             <a:extLst>
               <a:ext uri="{FF2B5EF4-FFF2-40B4-BE49-F238E27FC236}">
-                <a16:creationId xmlns:a16="http://schemas.microsoft.com/office/drawing/2014/main" id="{E9527F4D-69E3-6DB3-E2B6-BF17C7CE5C1D}"/>
+                <a16:creationId xmlns:a16="http://schemas.microsoft.com/office/drawing/2014/main" id="{96FE01CD-E706-94B7-4C2F-4FB0F7301A0A}"/>
               </a:ext>
             </a:extLst>
           </p:cNvPr>
@@ -4873,7 +6842,7 @@
           <p:cNvPr id="12" name="Title 11">
             <a:extLst>
               <a:ext uri="{FF2B5EF4-FFF2-40B4-BE49-F238E27FC236}">
-                <a16:creationId xmlns:a16="http://schemas.microsoft.com/office/drawing/2014/main" id="{ADD7F852-FFC2-6626-3163-8EA32EBA7812}"/>
+                <a16:creationId xmlns:a16="http://schemas.microsoft.com/office/drawing/2014/main" id="{97930EC4-8D28-745A-CBE4-3027704F10DE}"/>
               </a:ext>
             </a:extLst>
           </p:cNvPr>
@@ -4886,14 +6855,12 @@
         </p:nvSpPr>
         <p:spPr>
           <a:xfrm>
-            <a:off x="838200" y="1090863"/>
-            <a:ext cx="10515600" cy="1171073"/>
+            <a:off x="838200" y="1058779"/>
+            <a:ext cx="10515600" cy="800001"/>
           </a:xfrm>
         </p:spPr>
         <p:txBody>
-          <a:bodyPr>
-            <a:normAutofit fontScale="90000"/>
-          </a:bodyPr>
+          <a:bodyPr/>
           <a:lstStyle/>
           <a:p>
             <a:r>
@@ -4902,90 +6869,52 @@
                   <a:srgbClr val="C00000"/>
                 </a:solidFill>
               </a:rPr>
-              <a:t>Career map for roles in AI &amp; Big Data Analytics</a:t>
-            </a:r>
-            <a:br>
-              <a:rPr lang="en-US" dirty="0">
-                <a:solidFill>
-                  <a:srgbClr val="002060"/>
-                </a:solidFill>
-              </a:rPr>
-            </a:br>
+              <a:t>Unprocessed Data</a:t>
+            </a:r>
             <a:endParaRPr lang="en-IN" b="1" dirty="0">
               <a:solidFill>
-                <a:srgbClr val="FF0000"/>
+                <a:srgbClr val="C00000"/>
               </a:solidFill>
             </a:endParaRPr>
           </a:p>
         </p:txBody>
       </p:sp>
-      <p:sp>
-        <p:nvSpPr>
-          <p:cNvPr id="4" name="Content Placeholder 3">
-            <a:extLst>
-              <a:ext uri="{FF2B5EF4-FFF2-40B4-BE49-F238E27FC236}">
-                <a16:creationId xmlns:a16="http://schemas.microsoft.com/office/drawing/2014/main" id="{7524FDDB-07B4-54F0-DC21-901EF29BFD55}"/>
-              </a:ext>
-            </a:extLst>
-          </p:cNvPr>
-          <p:cNvSpPr>
-            <a:spLocks noGrp="1"/>
-          </p:cNvSpPr>
+      <p:pic>
+        <p:nvPicPr>
+          <p:cNvPr id="3" name="Content Placeholder 2">
+            <a:extLst>
+              <a:ext uri="{FF2B5EF4-FFF2-40B4-BE49-F238E27FC236}">
+                <a16:creationId xmlns:a16="http://schemas.microsoft.com/office/drawing/2014/main" id="{2597B924-0859-FA52-B105-8DF9E97F2E6A}"/>
+              </a:ext>
+            </a:extLst>
+          </p:cNvPr>
+          <p:cNvPicPr>
+            <a:picLocks noGrp="1" noChangeAspect="1"/>
+          </p:cNvPicPr>
           <p:nvPr>
             <p:ph idx="1"/>
           </p:nvPr>
-        </p:nvSpPr>
+        </p:nvPicPr>
+        <p:blipFill>
+          <a:blip r:embed="rId3"/>
+          <a:stretch>
+            <a:fillRect/>
+          </a:stretch>
+        </p:blipFill>
         <p:spPr>
           <a:xfrm>
-            <a:off x="838200" y="2261937"/>
-            <a:ext cx="10515600" cy="3915026"/>
+            <a:off x="951194" y="1957755"/>
+            <a:ext cx="10920391" cy="2734166"/>
           </a:xfrm>
+          <a:prstGeom prst="rect">
+            <a:avLst/>
+          </a:prstGeom>
         </p:spPr>
-        <p:txBody>
-          <a:bodyPr/>
-          <a:lstStyle/>
-          <a:p>
-            <a:pPr marL="0" indent="0">
-              <a:buNone/>
-            </a:pPr>
-            <a:r>
-              <a:rPr lang="en-US" b="1" dirty="0">
-                <a:solidFill>
-                  <a:srgbClr val="002060"/>
-                </a:solidFill>
-              </a:rPr>
-              <a:t>Data Scientist (Advanced/Progression Role)</a:t>
-            </a:r>
-          </a:p>
-          <a:p>
-            <a:r>
-              <a:rPr lang="en-US" b="1" dirty="0"/>
-              <a:t>Responsibilities:</a:t>
-            </a:r>
-            <a:r>
-              <a:rPr lang="en-US" dirty="0"/>
-              <a:t> Leverages advanced analytics, machine learning, and predictive models to solve complex business problems. Designs experiments, automates workflows, and develops custom data products.</a:t>
-            </a:r>
-          </a:p>
-          <a:p>
-            <a:r>
-              <a:rPr lang="en-US" b="1" dirty="0"/>
-              <a:t>Career Path:</a:t>
-            </a:r>
-            <a:r>
-              <a:rPr lang="en-US" dirty="0"/>
-              <a:t> Many experienced analysts grow into this role with upskilling.</a:t>
-            </a:r>
-          </a:p>
-          <a:p>
-            <a:endParaRPr lang="en-IN" dirty="0"/>
-          </a:p>
-        </p:txBody>
-      </p:sp>
+      </p:pic>
     </p:spTree>
     <p:extLst>
       <p:ext uri="{BB962C8B-B14F-4D97-AF65-F5344CB8AC3E}">
-        <p14:creationId xmlns:p14="http://schemas.microsoft.com/office/powerpoint/2010/main" val="1370868504"/>
+        <p14:creationId xmlns:p14="http://schemas.microsoft.com/office/powerpoint/2010/main" val="1829654074"/>
       </p:ext>
     </p:extLst>
   </p:cSld>
@@ -5003,7 +6932,7 @@
         <p:cNvPr id="1" name="">
           <a:extLst>
             <a:ext uri="{FF2B5EF4-FFF2-40B4-BE49-F238E27FC236}">
-              <a16:creationId xmlns:a16="http://schemas.microsoft.com/office/drawing/2014/main" id="{66E0E4B1-5F02-69C4-D339-CC109D9ABC88}"/>
+              <a16:creationId xmlns:a16="http://schemas.microsoft.com/office/drawing/2014/main" id="{77B1BADF-B636-090E-75E8-1E45FD3B1D7D}"/>
             </a:ext>
           </a:extLst>
         </p:cNvPr>
@@ -5023,7 +6952,7 @@
           <p:cNvPr id="9" name="Picture 8">
             <a:extLst>
               <a:ext uri="{FF2B5EF4-FFF2-40B4-BE49-F238E27FC236}">
-                <a16:creationId xmlns:a16="http://schemas.microsoft.com/office/drawing/2014/main" id="{C0CEA051-E689-6F5E-E0CF-0341E67C596A}"/>
+                <a16:creationId xmlns:a16="http://schemas.microsoft.com/office/drawing/2014/main" id="{D6BD4DA0-C5B1-D715-5E30-90A9E884982E}"/>
               </a:ext>
             </a:extLst>
           </p:cNvPr>
@@ -5059,7 +6988,7 @@
           <p:cNvPr id="12" name="Title 11">
             <a:extLst>
               <a:ext uri="{FF2B5EF4-FFF2-40B4-BE49-F238E27FC236}">
-                <a16:creationId xmlns:a16="http://schemas.microsoft.com/office/drawing/2014/main" id="{5AF4F4BF-6716-49E6-9582-E583D0D30CE3}"/>
+                <a16:creationId xmlns:a16="http://schemas.microsoft.com/office/drawing/2014/main" id="{A535353D-F7CE-CEC8-71F8-9EA9072F17D2}"/>
               </a:ext>
             </a:extLst>
           </p:cNvPr>
@@ -5072,120 +7001,66 @@
         </p:nvSpPr>
         <p:spPr>
           <a:xfrm>
-            <a:off x="838200" y="1748325"/>
-            <a:ext cx="10515600" cy="1828800"/>
+            <a:off x="838200" y="1058779"/>
+            <a:ext cx="10515600" cy="800001"/>
           </a:xfrm>
         </p:spPr>
         <p:txBody>
-          <a:bodyPr>
-            <a:normAutofit fontScale="90000"/>
-          </a:bodyPr>
+          <a:bodyPr/>
           <a:lstStyle/>
           <a:p>
             <a:r>
-              <a:rPr lang="en-US" b="1" dirty="0" err="1">
+              <a:rPr lang="en-US" b="1" dirty="0">
                 <a:solidFill>
                   <a:srgbClr val="C00000"/>
                 </a:solidFill>
               </a:rPr>
-              <a:t>Analyse</a:t>
-            </a:r>
-            <a:r>
-              <a:rPr lang="en-US" b="1" dirty="0">
-                <a:solidFill>
-                  <a:srgbClr val="C00000"/>
-                </a:solidFill>
-              </a:rPr>
-              <a:t> the differences between key terms such as Supervised Learning, Unsupervised Learning and Deep Learning</a:t>
-            </a:r>
-            <a:br>
-              <a:rPr lang="en-US" dirty="0">
-                <a:solidFill>
-                  <a:srgbClr val="002060"/>
-                </a:solidFill>
-              </a:rPr>
-            </a:br>
-            <a:br>
-              <a:rPr lang="en-US" dirty="0">
-                <a:solidFill>
-                  <a:srgbClr val="002060"/>
-                </a:solidFill>
-              </a:rPr>
-            </a:br>
+              <a:t>Processed Data</a:t>
+            </a:r>
             <a:endParaRPr lang="en-IN" b="1" dirty="0">
               <a:solidFill>
-                <a:srgbClr val="FF0000"/>
+                <a:srgbClr val="C00000"/>
               </a:solidFill>
             </a:endParaRPr>
           </a:p>
         </p:txBody>
       </p:sp>
-      <p:sp>
-        <p:nvSpPr>
-          <p:cNvPr id="4" name="Content Placeholder 3">
-            <a:extLst>
-              <a:ext uri="{FF2B5EF4-FFF2-40B4-BE49-F238E27FC236}">
-                <a16:creationId xmlns:a16="http://schemas.microsoft.com/office/drawing/2014/main" id="{2DC93587-953D-FBE6-A4B6-5060E75B821F}"/>
-              </a:ext>
-            </a:extLst>
-          </p:cNvPr>
-          <p:cNvSpPr>
-            <a:spLocks noGrp="1"/>
-          </p:cNvSpPr>
+      <p:pic>
+        <p:nvPicPr>
+          <p:cNvPr id="6" name="Content Placeholder 5">
+            <a:extLst>
+              <a:ext uri="{FF2B5EF4-FFF2-40B4-BE49-F238E27FC236}">
+                <a16:creationId xmlns:a16="http://schemas.microsoft.com/office/drawing/2014/main" id="{6748746A-BB52-7876-8ECD-87A2C506A39E}"/>
+              </a:ext>
+            </a:extLst>
+          </p:cNvPr>
+          <p:cNvPicPr>
+            <a:picLocks noGrp="1" noChangeAspect="1"/>
+          </p:cNvPicPr>
           <p:nvPr>
             <p:ph idx="1"/>
           </p:nvPr>
-        </p:nvSpPr>
+        </p:nvPicPr>
+        <p:blipFill>
+          <a:blip r:embed="rId3"/>
+          <a:stretch>
+            <a:fillRect/>
+          </a:stretch>
+        </p:blipFill>
         <p:spPr>
           <a:xfrm>
-            <a:off x="838200" y="3252865"/>
-            <a:ext cx="10515600" cy="2924097"/>
+            <a:off x="998268" y="1828577"/>
+            <a:ext cx="10800960" cy="2668472"/>
           </a:xfrm>
+          <a:prstGeom prst="rect">
+            <a:avLst/>
+          </a:prstGeom>
         </p:spPr>
-        <p:txBody>
-          <a:bodyPr/>
-          <a:lstStyle/>
-          <a:p>
-            <a:r>
-              <a:rPr lang="en-US" b="1" dirty="0">
-                <a:solidFill>
-                  <a:srgbClr val="002060"/>
-                </a:solidFill>
-              </a:rPr>
-              <a:t>Supervised Learning</a:t>
-            </a:r>
-          </a:p>
-          <a:p>
-            <a:r>
-              <a:rPr lang="en-US" b="1" dirty="0">
-                <a:solidFill>
-                  <a:srgbClr val="002060"/>
-                </a:solidFill>
-              </a:rPr>
-              <a:t>Unsupervised Learning</a:t>
-            </a:r>
-          </a:p>
-          <a:p>
-            <a:r>
-              <a:rPr lang="en-US" b="1" dirty="0">
-                <a:solidFill>
-                  <a:srgbClr val="002060"/>
-                </a:solidFill>
-              </a:rPr>
-              <a:t>Deep Learning</a:t>
-            </a:r>
-            <a:endParaRPr lang="en-IN" dirty="0">
-              <a:solidFill>
-                <a:srgbClr val="002060"/>
-              </a:solidFill>
-            </a:endParaRPr>
-          </a:p>
-        </p:txBody>
-      </p:sp>
+      </p:pic>
     </p:spTree>
     <p:extLst>
       <p:ext uri="{BB962C8B-B14F-4D97-AF65-F5344CB8AC3E}">
-        <p14:creationId xmlns:p14="http://schemas.microsoft.com/office/powerpoint/2010/main" val="1248854694"/>
+        <p14:creationId xmlns:p14="http://schemas.microsoft.com/office/powerpoint/2010/main" val="1831806660"/>
       </p:ext>
     </p:extLst>
   </p:cSld>
@@ -5203,7 +7078,7 @@
         <p:cNvPr id="1" name="">
           <a:extLst>
             <a:ext uri="{FF2B5EF4-FFF2-40B4-BE49-F238E27FC236}">
-              <a16:creationId xmlns:a16="http://schemas.microsoft.com/office/drawing/2014/main" id="{E7AA1D02-136D-8F7F-374E-AE382BC03063}"/>
+              <a16:creationId xmlns:a16="http://schemas.microsoft.com/office/drawing/2014/main" id="{FA16F128-06BC-283D-1358-28EF1C9BF9DB}"/>
             </a:ext>
           </a:extLst>
         </p:cNvPr>
@@ -5223,7 +7098,7 @@
           <p:cNvPr id="9" name="Picture 8">
             <a:extLst>
               <a:ext uri="{FF2B5EF4-FFF2-40B4-BE49-F238E27FC236}">
-                <a16:creationId xmlns:a16="http://schemas.microsoft.com/office/drawing/2014/main" id="{E7093ADB-6CDE-1EFA-767B-454223F6BE2C}"/>
+                <a16:creationId xmlns:a16="http://schemas.microsoft.com/office/drawing/2014/main" id="{EDD3DD72-D860-CEAF-95F6-D828B4058E32}"/>
               </a:ext>
             </a:extLst>
           </p:cNvPr>
@@ -5246,7 +7121,7 @@
         </p:blipFill>
         <p:spPr>
           <a:xfrm>
-            <a:off x="0" y="0"/>
+            <a:off x="0" y="4707"/>
             <a:ext cx="12192000" cy="6853293"/>
           </a:xfrm>
           <a:prstGeom prst="rect">
@@ -5259,7 +7134,7 @@
           <p:cNvPr id="12" name="Title 11">
             <a:extLst>
               <a:ext uri="{FF2B5EF4-FFF2-40B4-BE49-F238E27FC236}">
-                <a16:creationId xmlns:a16="http://schemas.microsoft.com/office/drawing/2014/main" id="{764EDC2E-9453-3590-CDEE-148E9E4055CA}"/>
+                <a16:creationId xmlns:a16="http://schemas.microsoft.com/office/drawing/2014/main" id="{0F337317-480B-67E0-4FBD-1770E706961F}"/>
               </a:ext>
             </a:extLst>
           </p:cNvPr>
@@ -5272,94 +7147,378 @@
         </p:nvSpPr>
         <p:spPr>
           <a:xfrm>
-            <a:off x="838200" y="1109273"/>
-            <a:ext cx="10515600" cy="3189156"/>
+            <a:off x="838200" y="1058779"/>
+            <a:ext cx="10515600" cy="800001"/>
           </a:xfrm>
         </p:spPr>
         <p:txBody>
-          <a:bodyPr>
-            <a:normAutofit/>
+          <a:bodyPr/>
+          <a:lstStyle/>
+          <a:p>
+            <a:r>
+              <a:rPr lang="en-US" b="1" dirty="0">
+                <a:solidFill>
+                  <a:srgbClr val="C00000"/>
+                </a:solidFill>
+              </a:rPr>
+              <a:t>Automate with ETL Tools</a:t>
+            </a:r>
+            <a:endParaRPr lang="en-IN" b="1" dirty="0">
+              <a:solidFill>
+                <a:srgbClr val="C00000"/>
+              </a:solidFill>
+            </a:endParaRPr>
+          </a:p>
+        </p:txBody>
+      </p:sp>
+      <p:sp>
+        <p:nvSpPr>
+          <p:cNvPr id="4" name="Rectangle 1">
+            <a:extLst>
+              <a:ext uri="{FF2B5EF4-FFF2-40B4-BE49-F238E27FC236}">
+                <a16:creationId xmlns:a16="http://schemas.microsoft.com/office/drawing/2014/main" id="{3FF06C14-1CC3-9218-052C-B6FDF988B026}"/>
+              </a:ext>
+            </a:extLst>
+          </p:cNvPr>
+          <p:cNvSpPr>
+            <a:spLocks noGrp="1" noChangeArrowheads="1"/>
+          </p:cNvSpPr>
+          <p:nvPr>
+            <p:ph idx="1"/>
+          </p:nvPr>
+        </p:nvSpPr>
+        <p:spPr bwMode="auto">
+          <a:xfrm>
+            <a:off x="838200" y="2027440"/>
+            <a:ext cx="8845446" cy="2092881"/>
+          </a:xfrm>
+          <a:prstGeom prst="rect">
+            <a:avLst/>
+          </a:prstGeom>
+          <a:noFill/>
+          <a:ln>
+            <a:noFill/>
+          </a:ln>
+          <a:effectLst/>
+          <a:extLst>
+            <a:ext uri="{909E8E84-426E-40DD-AFC4-6F175D3DCCD1}">
+              <a14:hiddenFill xmlns:a14="http://schemas.microsoft.com/office/drawing/2010/main">
+                <a:solidFill>
+                  <a:schemeClr val="accent1"/>
+                </a:solidFill>
+              </a14:hiddenFill>
+            </a:ext>
+            <a:ext uri="{91240B29-F687-4F45-9708-019B960494DF}">
+              <a14:hiddenLine xmlns:a14="http://schemas.microsoft.com/office/drawing/2010/main" w="9525">
+                <a:solidFill>
+                  <a:schemeClr val="tx1"/>
+                </a:solidFill>
+                <a:miter lim="800000"/>
+                <a:headEnd/>
+                <a:tailEnd/>
+              </a14:hiddenLine>
+            </a:ext>
+            <a:ext uri="{AF507438-7753-43E0-B8FC-AC1667EBCBE1}">
+              <a14:hiddenEffects xmlns:a14="http://schemas.microsoft.com/office/drawing/2010/main">
+                <a:effectLst>
+                  <a:outerShdw dist="35921" dir="2700000" algn="ctr" rotWithShape="0">
+                    <a:schemeClr val="bg2"/>
+                  </a:outerShdw>
+                </a:effectLst>
+              </a14:hiddenEffects>
+            </a:ext>
+          </a:extLst>
+        </p:spPr>
+        <p:txBody>
+          <a:bodyPr vert="horz" wrap="square" lIns="91440" tIns="45720" rIns="91440" bIns="45720" numCol="1" anchor="ctr" anchorCtr="0" compatLnSpc="1">
+            <a:prstTxWarp prst="textNoShape">
+              <a:avLst/>
+            </a:prstTxWarp>
+            <a:spAutoFit/>
           </a:bodyPr>
           <a:lstStyle/>
           <a:p>
-            <a:r>
-              <a:rPr lang="en-US" b="1" dirty="0">
-                <a:solidFill>
-                  <a:srgbClr val="C00000"/>
-                </a:solidFill>
-              </a:rPr>
-              <a:t>Supervised Learning</a:t>
-            </a:r>
-            <a:br>
-              <a:rPr lang="en-IN" dirty="0">
+            <a:pPr marL="0" marR="0" lvl="0" indent="0" algn="l" defTabSz="914400" rtl="0" eaLnBrk="0" fontAlgn="base" latinLnBrk="0" hangingPunct="0">
+              <a:lnSpc>
+                <a:spcPct val="100000"/>
+              </a:lnSpc>
+              <a:spcBef>
+                <a:spcPct val="0"/>
+              </a:spcBef>
+              <a:spcAft>
+                <a:spcPct val="0"/>
+              </a:spcAft>
+              <a:buClrTx/>
+              <a:buSzTx/>
+              <a:buNone/>
+              <a:tabLst/>
+            </a:pPr>
+            <a:r>
+              <a:rPr kumimoji="0" lang="en-US" altLang="en-US" b="1" i="0" u="none" strike="noStrike" cap="none" normalizeH="0" baseline="0" dirty="0">
+                <a:ln>
+                  <a:noFill/>
+                </a:ln>
+                <a:solidFill>
+                  <a:srgbClr val="FF0000"/>
+                </a:solidFill>
+                <a:effectLst/>
+              </a:rPr>
+              <a:t>Airflow</a:t>
+            </a:r>
+            <a:r>
+              <a:rPr kumimoji="0" lang="en-US" altLang="en-US" b="0" i="0" u="none" strike="noStrike" cap="none" normalizeH="0" baseline="0" dirty="0">
+                <a:ln>
+                  <a:noFill/>
+                </a:ln>
                 <a:solidFill>
                   <a:srgbClr val="002060"/>
                 </a:solidFill>
-              </a:rPr>
-            </a:br>
-            <a:br>
-              <a:rPr lang="en-US" dirty="0">
+                <a:effectLst/>
+              </a:rPr>
+              <a:t> or </a:t>
+            </a:r>
+            <a:r>
+              <a:rPr kumimoji="0" lang="en-US" altLang="en-US" b="1" i="0" u="none" strike="noStrike" cap="none" normalizeH="0" baseline="0" dirty="0" err="1">
+                <a:ln>
+                  <a:noFill/>
+                </a:ln>
+                <a:solidFill>
+                  <a:srgbClr val="FF0000"/>
+                </a:solidFill>
+                <a:effectLst/>
+              </a:rPr>
+              <a:t>Dagster</a:t>
+            </a:r>
+            <a:r>
+              <a:rPr kumimoji="0" lang="en-US" altLang="en-US" b="0" i="0" u="none" strike="noStrike" cap="none" normalizeH="0" baseline="0" dirty="0">
+                <a:ln>
+                  <a:noFill/>
+                </a:ln>
                 <a:solidFill>
                   <a:srgbClr val="002060"/>
                 </a:solidFill>
-              </a:rPr>
-            </a:br>
-            <a:br>
-              <a:rPr lang="en-US" dirty="0">
+                <a:effectLst/>
+              </a:rPr>
+              <a:t> for orchestration </a:t>
+            </a:r>
+          </a:p>
+          <a:p>
+            <a:pPr marL="0" marR="0" lvl="0" indent="0" algn="l" defTabSz="914400" rtl="0" eaLnBrk="0" fontAlgn="base" latinLnBrk="0" hangingPunct="0">
+              <a:lnSpc>
+                <a:spcPct val="100000"/>
+              </a:lnSpc>
+              <a:spcBef>
+                <a:spcPct val="0"/>
+              </a:spcBef>
+              <a:spcAft>
+                <a:spcPct val="0"/>
+              </a:spcAft>
+              <a:buClrTx/>
+              <a:buSzTx/>
+              <a:buNone/>
+              <a:tabLst/>
+            </a:pPr>
+            <a:r>
+              <a:rPr kumimoji="0" lang="en-US" altLang="en-US" b="1" i="0" u="none" strike="noStrike" cap="none" normalizeH="0" baseline="0" dirty="0">
+                <a:ln>
+                  <a:noFill/>
+                </a:ln>
+                <a:solidFill>
+                  <a:srgbClr val="FF0000"/>
+                </a:solidFill>
+                <a:effectLst/>
+              </a:rPr>
+              <a:t>Pandas</a:t>
+            </a:r>
+            <a:r>
+              <a:rPr kumimoji="0" lang="en-US" altLang="en-US" b="0" i="0" u="none" strike="noStrike" cap="none" normalizeH="0" baseline="0" dirty="0">
+                <a:ln>
+                  <a:noFill/>
+                </a:ln>
                 <a:solidFill>
                   <a:srgbClr val="002060"/>
                 </a:solidFill>
-              </a:rPr>
-            </a:br>
-            <a:br>
-              <a:rPr lang="en-US" dirty="0">
+                <a:effectLst/>
+              </a:rPr>
+              <a:t> or </a:t>
+            </a:r>
+            <a:r>
+              <a:rPr kumimoji="0" lang="en-US" altLang="en-US" b="1" i="0" u="none" strike="noStrike" cap="none" normalizeH="0" baseline="0" dirty="0" err="1">
+                <a:ln>
+                  <a:noFill/>
+                </a:ln>
+                <a:solidFill>
+                  <a:srgbClr val="FF0000"/>
+                </a:solidFill>
+                <a:effectLst/>
+              </a:rPr>
+              <a:t>PySpark</a:t>
+            </a:r>
+            <a:r>
+              <a:rPr kumimoji="0" lang="en-US" altLang="en-US" b="0" i="0" u="none" strike="noStrike" cap="none" normalizeH="0" baseline="0" dirty="0">
+                <a:ln>
+                  <a:noFill/>
+                </a:ln>
                 <a:solidFill>
                   <a:srgbClr val="002060"/>
                 </a:solidFill>
-              </a:rPr>
-            </a:br>
-            <a:endParaRPr lang="en-IN" b="1" dirty="0">
+                <a:effectLst/>
+              </a:rPr>
+              <a:t> for transformation </a:t>
+            </a:r>
+          </a:p>
+          <a:p>
+            <a:pPr marL="0" marR="0" lvl="0" indent="0" algn="l" defTabSz="914400" rtl="0" eaLnBrk="0" fontAlgn="base" latinLnBrk="0" hangingPunct="0">
+              <a:lnSpc>
+                <a:spcPct val="100000"/>
+              </a:lnSpc>
+              <a:spcBef>
+                <a:spcPct val="0"/>
+              </a:spcBef>
+              <a:spcAft>
+                <a:spcPct val="0"/>
+              </a:spcAft>
+              <a:buClrTx/>
+              <a:buSzTx/>
+              <a:buNone/>
+              <a:tabLst/>
+            </a:pPr>
+            <a:r>
+              <a:rPr kumimoji="0" lang="en-US" altLang="en-US" b="1" i="0" u="none" strike="noStrike" cap="none" normalizeH="0" baseline="0" dirty="0">
+                <a:ln>
+                  <a:noFill/>
+                </a:ln>
+                <a:solidFill>
+                  <a:srgbClr val="002060"/>
+                </a:solidFill>
+                <a:effectLst/>
+              </a:rPr>
+              <a:t>Great Expectations</a:t>
+            </a:r>
+            <a:r>
+              <a:rPr kumimoji="0" lang="en-US" altLang="en-US" b="0" i="0" u="none" strike="noStrike" cap="none" normalizeH="0" baseline="0" dirty="0">
+                <a:ln>
+                  <a:noFill/>
+                </a:ln>
+                <a:solidFill>
+                  <a:srgbClr val="002060"/>
+                </a:solidFill>
+                <a:effectLst/>
+              </a:rPr>
+              <a:t> for validation </a:t>
+            </a:r>
+          </a:p>
+          <a:p>
+            <a:pPr marL="0" marR="0" lvl="0" indent="0" algn="l" defTabSz="914400" rtl="0" eaLnBrk="0" fontAlgn="base" latinLnBrk="0" hangingPunct="0">
+              <a:lnSpc>
+                <a:spcPct val="100000"/>
+              </a:lnSpc>
+              <a:spcBef>
+                <a:spcPct val="0"/>
+              </a:spcBef>
+              <a:spcAft>
+                <a:spcPct val="0"/>
+              </a:spcAft>
+              <a:buClrTx/>
+              <a:buSzTx/>
+              <a:buNone/>
+              <a:tabLst/>
+            </a:pPr>
+            <a:r>
+              <a:rPr kumimoji="0" lang="en-US" altLang="en-US" b="1" i="0" u="none" strike="noStrike" cap="none" normalizeH="0" baseline="0" dirty="0">
+                <a:ln>
+                  <a:noFill/>
+                </a:ln>
+                <a:solidFill>
+                  <a:srgbClr val="FF0000"/>
+                </a:solidFill>
+                <a:effectLst/>
+              </a:rPr>
+              <a:t>AWS Glue</a:t>
+            </a:r>
+            <a:r>
+              <a:rPr kumimoji="0" lang="en-US" altLang="en-US" b="0" i="0" u="none" strike="noStrike" cap="none" normalizeH="0" baseline="0" dirty="0">
+                <a:ln>
+                  <a:noFill/>
+                </a:ln>
+                <a:solidFill>
+                  <a:srgbClr val="FF0000"/>
+                </a:solidFill>
+                <a:effectLst/>
+              </a:rPr>
+              <a:t> </a:t>
+            </a:r>
+            <a:r>
+              <a:rPr kumimoji="0" lang="en-US" altLang="en-US" b="0" i="0" u="none" strike="noStrike" cap="none" normalizeH="0" baseline="0" dirty="0">
+                <a:ln>
+                  <a:noFill/>
+                </a:ln>
+                <a:solidFill>
+                  <a:srgbClr val="002060"/>
+                </a:solidFill>
+                <a:effectLst/>
+              </a:rPr>
+              <a:t>or </a:t>
+            </a:r>
+            <a:r>
+              <a:rPr kumimoji="0" lang="en-US" altLang="en-US" b="1" i="0" u="none" strike="noStrike" cap="none" normalizeH="0" baseline="0" dirty="0" err="1">
+                <a:ln>
+                  <a:noFill/>
+                </a:ln>
+                <a:solidFill>
+                  <a:srgbClr val="FF0000"/>
+                </a:solidFill>
+                <a:effectLst/>
+              </a:rPr>
+              <a:t>dbt</a:t>
+            </a:r>
+            <a:r>
+              <a:rPr kumimoji="0" lang="en-US" altLang="en-US" b="0" i="0" u="none" strike="noStrike" cap="none" normalizeH="0" baseline="0" dirty="0">
+                <a:ln>
+                  <a:noFill/>
+                </a:ln>
+                <a:solidFill>
+                  <a:srgbClr val="002060"/>
+                </a:solidFill>
+                <a:effectLst/>
+              </a:rPr>
+              <a:t> for metadata and lineage tracking </a:t>
+            </a:r>
+          </a:p>
+          <a:p>
+            <a:pPr marL="0" marR="0" lvl="0" indent="0" algn="l" defTabSz="914400" rtl="0" eaLnBrk="0" fontAlgn="base" latinLnBrk="0" hangingPunct="0">
+              <a:lnSpc>
+                <a:spcPct val="100000"/>
+              </a:lnSpc>
+              <a:spcBef>
+                <a:spcPct val="0"/>
+              </a:spcBef>
+              <a:spcAft>
+                <a:spcPct val="0"/>
+              </a:spcAft>
+              <a:buClrTx/>
+              <a:buSzTx/>
+              <a:buFontTx/>
+              <a:buNone/>
+              <a:tabLst/>
+            </a:pPr>
+            <a:endParaRPr kumimoji="0" lang="en-US" altLang="en-US" sz="1800" b="0" i="0" u="none" strike="noStrike" cap="none" normalizeH="0" baseline="0" dirty="0">
+              <a:ln>
+                <a:noFill/>
+              </a:ln>
               <a:solidFill>
-                <a:srgbClr val="FF0000"/>
+                <a:schemeClr val="tx1"/>
               </a:solidFill>
+              <a:effectLst/>
+              <a:latin typeface="Arial" panose="020B0604020202020204" pitchFamily="34" charset="0"/>
             </a:endParaRPr>
-          </a:p>
-        </p:txBody>
-      </p:sp>
-      <p:sp>
-        <p:nvSpPr>
-          <p:cNvPr id="4" name="Content Placeholder 3">
-            <a:extLst>
-              <a:ext uri="{FF2B5EF4-FFF2-40B4-BE49-F238E27FC236}">
-                <a16:creationId xmlns:a16="http://schemas.microsoft.com/office/drawing/2014/main" id="{AB0C367C-6704-41A3-7DE2-9756C9777541}"/>
-              </a:ext>
-            </a:extLst>
-          </p:cNvPr>
-          <p:cNvSpPr>
-            <a:spLocks noGrp="1"/>
-          </p:cNvSpPr>
-          <p:nvPr>
-            <p:ph idx="1"/>
-          </p:nvPr>
-        </p:nvSpPr>
-        <p:spPr>
-          <a:xfrm>
-            <a:off x="838200" y="2261937"/>
-            <a:ext cx="10515600" cy="3915026"/>
-          </a:xfrm>
-        </p:spPr>
-        <p:txBody>
-          <a:bodyPr/>
-          <a:lstStyle/>
-          <a:p>
-            <a:endParaRPr lang="en-IN" dirty="0"/>
           </a:p>
         </p:txBody>
       </p:sp>
     </p:spTree>
     <p:extLst>
       <p:ext uri="{BB962C8B-B14F-4D97-AF65-F5344CB8AC3E}">
-        <p14:creationId xmlns:p14="http://schemas.microsoft.com/office/powerpoint/2010/main" val="2329110552"/>
+        <p14:creationId xmlns:p14="http://schemas.microsoft.com/office/powerpoint/2010/main" val="4206649863"/>
       </p:ext>
     </p:extLst>
   </p:cSld>
@@ -5377,7 +7536,7 @@
         <p:cNvPr id="1" name="">
           <a:extLst>
             <a:ext uri="{FF2B5EF4-FFF2-40B4-BE49-F238E27FC236}">
-              <a16:creationId xmlns:a16="http://schemas.microsoft.com/office/drawing/2014/main" id="{9CF09576-E858-385A-6B65-E89E2DE87113}"/>
+              <a16:creationId xmlns:a16="http://schemas.microsoft.com/office/drawing/2014/main" id="{9AFFA053-E79F-F80F-3B53-64B5C5A84A73}"/>
             </a:ext>
           </a:extLst>
         </p:cNvPr>
@@ -5397,7 +7556,7 @@
           <p:cNvPr id="9" name="Picture 8">
             <a:extLst>
               <a:ext uri="{FF2B5EF4-FFF2-40B4-BE49-F238E27FC236}">
-                <a16:creationId xmlns:a16="http://schemas.microsoft.com/office/drawing/2014/main" id="{33BF3416-F596-A4E5-4C37-0D412E238B82}"/>
+                <a16:creationId xmlns:a16="http://schemas.microsoft.com/office/drawing/2014/main" id="{2FEEC428-F693-C84A-09E0-AA2B57B2170C}"/>
               </a:ext>
             </a:extLst>
           </p:cNvPr>
@@ -5420,7 +7579,7 @@
         </p:blipFill>
         <p:spPr>
           <a:xfrm>
-            <a:off x="0" y="0"/>
+            <a:off x="0" y="4707"/>
             <a:ext cx="12192000" cy="6853293"/>
           </a:xfrm>
           <a:prstGeom prst="rect">
@@ -5433,7 +7592,7 @@
           <p:cNvPr id="12" name="Title 11">
             <a:extLst>
               <a:ext uri="{FF2B5EF4-FFF2-40B4-BE49-F238E27FC236}">
-                <a16:creationId xmlns:a16="http://schemas.microsoft.com/office/drawing/2014/main" id="{C81E761A-B771-599A-6E0D-BF4406F06A5E}"/>
+                <a16:creationId xmlns:a16="http://schemas.microsoft.com/office/drawing/2014/main" id="{AB2E2A75-A33D-8C20-C28C-B8E77880BC35}"/>
               </a:ext>
             </a:extLst>
           </p:cNvPr>
@@ -5446,8 +7605,8 @@
         </p:nvSpPr>
         <p:spPr>
           <a:xfrm>
-            <a:off x="838200" y="1363581"/>
-            <a:ext cx="10515600" cy="3076074"/>
+            <a:off x="838200" y="966866"/>
+            <a:ext cx="10515600" cy="723822"/>
           </a:xfrm>
         </p:spPr>
         <p:txBody>
@@ -5456,91 +7615,143 @@
           </a:bodyPr>
           <a:lstStyle/>
           <a:p>
-            <a:r>
+            <a:br>
               <a:rPr lang="en-US" b="1" dirty="0">
                 <a:solidFill>
                   <a:srgbClr val="C00000"/>
-                </a:solidFill>
-              </a:rPr>
-              <a:t>Unsupervised Learning</a:t>
-            </a:r>
-            <a:br>
-              <a:rPr lang="en-IN" dirty="0">
-                <a:solidFill>
-                  <a:srgbClr val="002060"/>
                 </a:solidFill>
               </a:rPr>
             </a:br>
             <a:br>
-              <a:rPr lang="en-IN" dirty="0">
+              <a:rPr lang="en-US" b="1" dirty="0">
+                <a:solidFill>
+                  <a:srgbClr val="C00000"/>
+                </a:solidFill>
+              </a:rPr>
+            </a:br>
+            <a:r>
+              <a:rPr lang="en-US" b="1" dirty="0">
+                <a:solidFill>
+                  <a:srgbClr val="C00000"/>
+                </a:solidFill>
+              </a:rPr>
+              <a:t>Impact of Unprocessed Data on Analytical Operations</a:t>
+            </a:r>
+          </a:p>
+        </p:txBody>
+      </p:sp>
+      <p:sp>
+        <p:nvSpPr>
+          <p:cNvPr id="2" name="Content Placeholder 1">
+            <a:extLst>
+              <a:ext uri="{FF2B5EF4-FFF2-40B4-BE49-F238E27FC236}">
+                <a16:creationId xmlns:a16="http://schemas.microsoft.com/office/drawing/2014/main" id="{CF765521-4DB2-79FC-D28C-6CEE43E2A47A}"/>
+              </a:ext>
+            </a:extLst>
+          </p:cNvPr>
+          <p:cNvSpPr>
+            <a:spLocks noGrp="1"/>
+          </p:cNvSpPr>
+          <p:nvPr>
+            <p:ph idx="1"/>
+          </p:nvPr>
+        </p:nvSpPr>
+        <p:spPr>
+          <a:xfrm>
+            <a:off x="838200" y="2383435"/>
+            <a:ext cx="10515600" cy="3507699"/>
+          </a:xfrm>
+        </p:spPr>
+        <p:txBody>
+          <a:bodyPr/>
+          <a:lstStyle/>
+          <a:p>
+            <a:pPr marL="0" indent="0">
+              <a:buNone/>
+            </a:pPr>
+            <a:r>
+              <a:rPr lang="en-US" b="1" dirty="0">
+                <a:solidFill>
+                  <a:srgbClr val="FF0000"/>
+                </a:solidFill>
+              </a:rPr>
+              <a:t>Reduced Data Quality</a:t>
+            </a:r>
+          </a:p>
+          <a:p>
+            <a:pPr marL="0" indent="0">
+              <a:buNone/>
+            </a:pPr>
+            <a:r>
+              <a:rPr lang="en-US" b="1" dirty="0">
+                <a:solidFill>
+                  <a:srgbClr val="00B050"/>
+                </a:solidFill>
+              </a:rPr>
+              <a:t>Issue: </a:t>
+            </a:r>
+            <a:r>
+              <a:rPr lang="en-US" dirty="0">
                 <a:solidFill>
                   <a:srgbClr val="002060"/>
                 </a:solidFill>
               </a:rPr>
-            </a:br>
-            <a:br>
+              <a:t>Raw data often contains errors, missing values, duplicates, and inconsistencies.</a:t>
+            </a:r>
+          </a:p>
+          <a:p>
+            <a:pPr marL="0" indent="0">
+              <a:buNone/>
+            </a:pPr>
+            <a:r>
+              <a:rPr lang="en-US" b="1" dirty="0">
+                <a:solidFill>
+                  <a:srgbClr val="00B050"/>
+                </a:solidFill>
+              </a:rPr>
+              <a:t>Impact: </a:t>
+            </a:r>
+            <a:r>
               <a:rPr lang="en-US" dirty="0">
                 <a:solidFill>
                   <a:srgbClr val="002060"/>
                 </a:solidFill>
               </a:rPr>
-            </a:br>
-            <a:br>
+              <a:t>Leads to unreliable insights, skewed results, and poor decision-making.</a:t>
+            </a:r>
+          </a:p>
+          <a:p>
+            <a:pPr marL="0" indent="0">
+              <a:buNone/>
+            </a:pPr>
+            <a:r>
+              <a:rPr lang="en-US" b="1" dirty="0">
+                <a:solidFill>
+                  <a:srgbClr val="00B050"/>
+                </a:solidFill>
+              </a:rPr>
+              <a:t>Example: </a:t>
+            </a:r>
+            <a:r>
               <a:rPr lang="en-US" dirty="0">
                 <a:solidFill>
                   <a:srgbClr val="002060"/>
                 </a:solidFill>
               </a:rPr>
-            </a:br>
-            <a:br>
-              <a:rPr lang="en-US" dirty="0">
-                <a:solidFill>
-                  <a:srgbClr val="002060"/>
-                </a:solidFill>
-              </a:rPr>
-            </a:br>
-            <a:endParaRPr lang="en-IN" b="1" dirty="0">
+              <a:t>A missing timestamp in a time series can distort trend analysis or forecasting.</a:t>
+            </a:r>
+            <a:endParaRPr lang="en-IN" dirty="0">
               <a:solidFill>
-                <a:srgbClr val="FF0000"/>
+                <a:srgbClr val="002060"/>
               </a:solidFill>
             </a:endParaRPr>
-          </a:p>
-        </p:txBody>
-      </p:sp>
-      <p:sp>
-        <p:nvSpPr>
-          <p:cNvPr id="4" name="Content Placeholder 3">
-            <a:extLst>
-              <a:ext uri="{FF2B5EF4-FFF2-40B4-BE49-F238E27FC236}">
-                <a16:creationId xmlns:a16="http://schemas.microsoft.com/office/drawing/2014/main" id="{ED8A8A9C-83F7-2FA5-E8C6-CEA7A3C471CB}"/>
-              </a:ext>
-            </a:extLst>
-          </p:cNvPr>
-          <p:cNvSpPr>
-            <a:spLocks noGrp="1"/>
-          </p:cNvSpPr>
-          <p:nvPr>
-            <p:ph idx="1"/>
-          </p:nvPr>
-        </p:nvSpPr>
-        <p:spPr>
-          <a:xfrm>
-            <a:off x="838200" y="2261937"/>
-            <a:ext cx="10515600" cy="3915026"/>
-          </a:xfrm>
-        </p:spPr>
-        <p:txBody>
-          <a:bodyPr/>
-          <a:lstStyle/>
-          <a:p>
-            <a:endParaRPr lang="en-IN" dirty="0"/>
           </a:p>
         </p:txBody>
       </p:sp>
     </p:spTree>
     <p:extLst>
       <p:ext uri="{BB962C8B-B14F-4D97-AF65-F5344CB8AC3E}">
-        <p14:creationId xmlns:p14="http://schemas.microsoft.com/office/powerpoint/2010/main" val="3334215418"/>
+        <p14:creationId xmlns:p14="http://schemas.microsoft.com/office/powerpoint/2010/main" val="836317433"/>
       </p:ext>
     </p:extLst>
   </p:cSld>
